--- a/blizzard.pptx
+++ b/blizzard.pptx
@@ -4,6 +4,9 @@
   <p:sldMasterIdLst>
     <p:sldMasterId id="2147483709" r:id="rId1"/>
   </p:sldMasterIdLst>
+  <p:notesMasterIdLst>
+    <p:notesMasterId r:id="rId10"/>
+  </p:notesMasterIdLst>
   <p:sldIdLst>
     <p:sldId id="256" r:id="rId2"/>
     <p:sldId id="257" r:id="rId3"/>
@@ -119,6 +122,1426 @@
 </p:presentation>
 </file>
 
+<file path=ppt/notesMasters/notesMaster1.xml><?xml version="1.0" encoding="utf-8"?>
+<p:notesMaster xmlns:a="http://schemas.openxmlformats.org/drawingml/2006/main" xmlns:r="http://schemas.openxmlformats.org/officeDocument/2006/relationships" xmlns:p="http://schemas.openxmlformats.org/presentationml/2006/main">
+  <p:cSld>
+    <p:bg>
+      <p:bgRef idx="1001">
+        <a:schemeClr val="bg1"/>
+      </p:bgRef>
+    </p:bg>
+    <p:spTree>
+      <p:nvGrpSpPr>
+        <p:cNvPr id="1" name=""/>
+        <p:cNvGrpSpPr/>
+        <p:nvPr/>
+      </p:nvGrpSpPr>
+      <p:grpSpPr>
+        <a:xfrm>
+          <a:off x="0" y="0"/>
+          <a:ext cx="0" cy="0"/>
+          <a:chOff x="0" y="0"/>
+          <a:chExt cx="0" cy="0"/>
+        </a:xfrm>
+      </p:grpSpPr>
+      <p:sp>
+        <p:nvSpPr>
+          <p:cNvPr id="2" name="Zástupný symbol pro záhlaví 1"/>
+          <p:cNvSpPr>
+            <a:spLocks noGrp="1"/>
+          </p:cNvSpPr>
+          <p:nvPr>
+            <p:ph type="hdr" sz="quarter"/>
+          </p:nvPr>
+        </p:nvSpPr>
+        <p:spPr>
+          <a:xfrm>
+            <a:off x="0" y="0"/>
+            <a:ext cx="2971800" cy="458788"/>
+          </a:xfrm>
+          <a:prstGeom prst="rect">
+            <a:avLst/>
+          </a:prstGeom>
+        </p:spPr>
+        <p:txBody>
+          <a:bodyPr vert="horz" lIns="91440" tIns="45720" rIns="91440" bIns="45720" rtlCol="0"/>
+          <a:lstStyle>
+            <a:lvl1pPr algn="l">
+              <a:defRPr sz="1200"/>
+            </a:lvl1pPr>
+          </a:lstStyle>
+          <a:p>
+            <a:endParaRPr lang="cs-CZ"/>
+          </a:p>
+        </p:txBody>
+      </p:sp>
+      <p:sp>
+        <p:nvSpPr>
+          <p:cNvPr id="3" name="Zástupný symbol pro datum 2"/>
+          <p:cNvSpPr>
+            <a:spLocks noGrp="1"/>
+          </p:cNvSpPr>
+          <p:nvPr>
+            <p:ph type="dt" idx="1"/>
+          </p:nvPr>
+        </p:nvSpPr>
+        <p:spPr>
+          <a:xfrm>
+            <a:off x="3884613" y="0"/>
+            <a:ext cx="2971800" cy="458788"/>
+          </a:xfrm>
+          <a:prstGeom prst="rect">
+            <a:avLst/>
+          </a:prstGeom>
+        </p:spPr>
+        <p:txBody>
+          <a:bodyPr vert="horz" lIns="91440" tIns="45720" rIns="91440" bIns="45720" rtlCol="0"/>
+          <a:lstStyle>
+            <a:lvl1pPr algn="r">
+              <a:defRPr sz="1200"/>
+            </a:lvl1pPr>
+          </a:lstStyle>
+          <a:p>
+            <a:fld id="{5ABF9519-82D8-9F4B-8A1B-D2FBD0D6B93D}" type="datetimeFigureOut">
+              <a:rPr lang="cs-CZ" smtClean="0"/>
+              <a:t>02.04.2025</a:t>
+            </a:fld>
+            <a:endParaRPr lang="cs-CZ"/>
+          </a:p>
+        </p:txBody>
+      </p:sp>
+      <p:sp>
+        <p:nvSpPr>
+          <p:cNvPr id="4" name="Zástupný symbol pro obrázek snímku 3"/>
+          <p:cNvSpPr>
+            <a:spLocks noGrp="1" noRot="1" noChangeAspect="1"/>
+          </p:cNvSpPr>
+          <p:nvPr>
+            <p:ph type="sldImg" idx="2"/>
+          </p:nvPr>
+        </p:nvSpPr>
+        <p:spPr>
+          <a:xfrm>
+            <a:off x="685800" y="1143000"/>
+            <a:ext cx="5486400" cy="3086100"/>
+          </a:xfrm>
+          <a:prstGeom prst="rect">
+            <a:avLst/>
+          </a:prstGeom>
+          <a:noFill/>
+          <a:ln w="12700">
+            <a:solidFill>
+              <a:prstClr val="black"/>
+            </a:solidFill>
+          </a:ln>
+        </p:spPr>
+        <p:txBody>
+          <a:bodyPr vert="horz" lIns="91440" tIns="45720" rIns="91440" bIns="45720" rtlCol="0" anchor="ctr"/>
+          <a:lstStyle/>
+          <a:p>
+            <a:endParaRPr lang="cs-CZ"/>
+          </a:p>
+        </p:txBody>
+      </p:sp>
+      <p:sp>
+        <p:nvSpPr>
+          <p:cNvPr id="5" name="Zástupný symbol pro poznámky 4"/>
+          <p:cNvSpPr>
+            <a:spLocks noGrp="1"/>
+          </p:cNvSpPr>
+          <p:nvPr>
+            <p:ph type="body" sz="quarter" idx="3"/>
+          </p:nvPr>
+        </p:nvSpPr>
+        <p:spPr>
+          <a:xfrm>
+            <a:off x="685800" y="4400550"/>
+            <a:ext cx="5486400" cy="3600450"/>
+          </a:xfrm>
+          <a:prstGeom prst="rect">
+            <a:avLst/>
+          </a:prstGeom>
+        </p:spPr>
+        <p:txBody>
+          <a:bodyPr vert="horz" lIns="91440" tIns="45720" rIns="91440" bIns="45720" rtlCol="0"/>
+          <a:lstStyle/>
+          <a:p>
+            <a:pPr lvl="0"/>
+            <a:r>
+              <a:rPr lang="cs-CZ"/>
+              <a:t>Po kliknutí můžete upravovat styly textu v předloze.</a:t>
+            </a:r>
+          </a:p>
+          <a:p>
+            <a:pPr lvl="1"/>
+            <a:r>
+              <a:rPr lang="cs-CZ"/>
+              <a:t>Druhá úroveň</a:t>
+            </a:r>
+          </a:p>
+          <a:p>
+            <a:pPr lvl="2"/>
+            <a:r>
+              <a:rPr lang="cs-CZ"/>
+              <a:t>Třetí úroveň</a:t>
+            </a:r>
+          </a:p>
+          <a:p>
+            <a:pPr lvl="3"/>
+            <a:r>
+              <a:rPr lang="cs-CZ"/>
+              <a:t>Čtvrtá úroveň</a:t>
+            </a:r>
+          </a:p>
+          <a:p>
+            <a:pPr lvl="4"/>
+            <a:r>
+              <a:rPr lang="cs-CZ"/>
+              <a:t>Pátá úroveň</a:t>
+            </a:r>
+          </a:p>
+        </p:txBody>
+      </p:sp>
+      <p:sp>
+        <p:nvSpPr>
+          <p:cNvPr id="6" name="Zástupný symbol pro zápatí 5"/>
+          <p:cNvSpPr>
+            <a:spLocks noGrp="1"/>
+          </p:cNvSpPr>
+          <p:nvPr>
+            <p:ph type="ftr" sz="quarter" idx="4"/>
+          </p:nvPr>
+        </p:nvSpPr>
+        <p:spPr>
+          <a:xfrm>
+            <a:off x="0" y="8685213"/>
+            <a:ext cx="2971800" cy="458787"/>
+          </a:xfrm>
+          <a:prstGeom prst="rect">
+            <a:avLst/>
+          </a:prstGeom>
+        </p:spPr>
+        <p:txBody>
+          <a:bodyPr vert="horz" lIns="91440" tIns="45720" rIns="91440" bIns="45720" rtlCol="0" anchor="b"/>
+          <a:lstStyle>
+            <a:lvl1pPr algn="l">
+              <a:defRPr sz="1200"/>
+            </a:lvl1pPr>
+          </a:lstStyle>
+          <a:p>
+            <a:endParaRPr lang="cs-CZ"/>
+          </a:p>
+        </p:txBody>
+      </p:sp>
+      <p:sp>
+        <p:nvSpPr>
+          <p:cNvPr id="7" name="Zástupný symbol pro číslo snímku 6"/>
+          <p:cNvSpPr>
+            <a:spLocks noGrp="1"/>
+          </p:cNvSpPr>
+          <p:nvPr>
+            <p:ph type="sldNum" sz="quarter" idx="5"/>
+          </p:nvPr>
+        </p:nvSpPr>
+        <p:spPr>
+          <a:xfrm>
+            <a:off x="3884613" y="8685213"/>
+            <a:ext cx="2971800" cy="458787"/>
+          </a:xfrm>
+          <a:prstGeom prst="rect">
+            <a:avLst/>
+          </a:prstGeom>
+        </p:spPr>
+        <p:txBody>
+          <a:bodyPr vert="horz" lIns="91440" tIns="45720" rIns="91440" bIns="45720" rtlCol="0" anchor="b"/>
+          <a:lstStyle>
+            <a:lvl1pPr algn="r">
+              <a:defRPr sz="1200"/>
+            </a:lvl1pPr>
+          </a:lstStyle>
+          <a:p>
+            <a:fld id="{686A8C8D-C530-BA47-AC7D-0DCCA495F9D1}" type="slidenum">
+              <a:rPr lang="cs-CZ" smtClean="0"/>
+              <a:t>‹#›</a:t>
+            </a:fld>
+            <a:endParaRPr lang="cs-CZ"/>
+          </a:p>
+        </p:txBody>
+      </p:sp>
+    </p:spTree>
+    <p:extLst>
+      <p:ext uri="{BB962C8B-B14F-4D97-AF65-F5344CB8AC3E}">
+        <p14:creationId xmlns:p14="http://schemas.microsoft.com/office/powerpoint/2010/main" val="1130585705"/>
+      </p:ext>
+    </p:extLst>
+  </p:cSld>
+  <p:clrMap bg1="lt1" tx1="dk1" bg2="lt2" tx2="dk2" accent1="accent1" accent2="accent2" accent3="accent3" accent4="accent4" accent5="accent5" accent6="accent6" hlink="hlink" folHlink="folHlink"/>
+  <p:notesStyle>
+    <a:lvl1pPr marL="0" algn="l" defTabSz="914400" rtl="0" eaLnBrk="1" latinLnBrk="0" hangingPunct="1">
+      <a:defRPr sz="1200" kern="1200">
+        <a:solidFill>
+          <a:schemeClr val="tx1"/>
+        </a:solidFill>
+        <a:latin typeface="+mn-lt"/>
+        <a:ea typeface="+mn-ea"/>
+        <a:cs typeface="+mn-cs"/>
+      </a:defRPr>
+    </a:lvl1pPr>
+    <a:lvl2pPr marL="457200" algn="l" defTabSz="914400" rtl="0" eaLnBrk="1" latinLnBrk="0" hangingPunct="1">
+      <a:defRPr sz="1200" kern="1200">
+        <a:solidFill>
+          <a:schemeClr val="tx1"/>
+        </a:solidFill>
+        <a:latin typeface="+mn-lt"/>
+        <a:ea typeface="+mn-ea"/>
+        <a:cs typeface="+mn-cs"/>
+      </a:defRPr>
+    </a:lvl2pPr>
+    <a:lvl3pPr marL="914400" algn="l" defTabSz="914400" rtl="0" eaLnBrk="1" latinLnBrk="0" hangingPunct="1">
+      <a:defRPr sz="1200" kern="1200">
+        <a:solidFill>
+          <a:schemeClr val="tx1"/>
+        </a:solidFill>
+        <a:latin typeface="+mn-lt"/>
+        <a:ea typeface="+mn-ea"/>
+        <a:cs typeface="+mn-cs"/>
+      </a:defRPr>
+    </a:lvl3pPr>
+    <a:lvl4pPr marL="1371600" algn="l" defTabSz="914400" rtl="0" eaLnBrk="1" latinLnBrk="0" hangingPunct="1">
+      <a:defRPr sz="1200" kern="1200">
+        <a:solidFill>
+          <a:schemeClr val="tx1"/>
+        </a:solidFill>
+        <a:latin typeface="+mn-lt"/>
+        <a:ea typeface="+mn-ea"/>
+        <a:cs typeface="+mn-cs"/>
+      </a:defRPr>
+    </a:lvl4pPr>
+    <a:lvl5pPr marL="1828800" algn="l" defTabSz="914400" rtl="0" eaLnBrk="1" latinLnBrk="0" hangingPunct="1">
+      <a:defRPr sz="1200" kern="1200">
+        <a:solidFill>
+          <a:schemeClr val="tx1"/>
+        </a:solidFill>
+        <a:latin typeface="+mn-lt"/>
+        <a:ea typeface="+mn-ea"/>
+        <a:cs typeface="+mn-cs"/>
+      </a:defRPr>
+    </a:lvl5pPr>
+    <a:lvl6pPr marL="2286000" algn="l" defTabSz="914400" rtl="0" eaLnBrk="1" latinLnBrk="0" hangingPunct="1">
+      <a:defRPr sz="1200" kern="1200">
+        <a:solidFill>
+          <a:schemeClr val="tx1"/>
+        </a:solidFill>
+        <a:latin typeface="+mn-lt"/>
+        <a:ea typeface="+mn-ea"/>
+        <a:cs typeface="+mn-cs"/>
+      </a:defRPr>
+    </a:lvl6pPr>
+    <a:lvl7pPr marL="2743200" algn="l" defTabSz="914400" rtl="0" eaLnBrk="1" latinLnBrk="0" hangingPunct="1">
+      <a:defRPr sz="1200" kern="1200">
+        <a:solidFill>
+          <a:schemeClr val="tx1"/>
+        </a:solidFill>
+        <a:latin typeface="+mn-lt"/>
+        <a:ea typeface="+mn-ea"/>
+        <a:cs typeface="+mn-cs"/>
+      </a:defRPr>
+    </a:lvl7pPr>
+    <a:lvl8pPr marL="3200400" algn="l" defTabSz="914400" rtl="0" eaLnBrk="1" latinLnBrk="0" hangingPunct="1">
+      <a:defRPr sz="1200" kern="1200">
+        <a:solidFill>
+          <a:schemeClr val="tx1"/>
+        </a:solidFill>
+        <a:latin typeface="+mn-lt"/>
+        <a:ea typeface="+mn-ea"/>
+        <a:cs typeface="+mn-cs"/>
+      </a:defRPr>
+    </a:lvl8pPr>
+    <a:lvl9pPr marL="3657600" algn="l" defTabSz="914400" rtl="0" eaLnBrk="1" latinLnBrk="0" hangingPunct="1">
+      <a:defRPr sz="1200" kern="1200">
+        <a:solidFill>
+          <a:schemeClr val="tx1"/>
+        </a:solidFill>
+        <a:latin typeface="+mn-lt"/>
+        <a:ea typeface="+mn-ea"/>
+        <a:cs typeface="+mn-cs"/>
+      </a:defRPr>
+    </a:lvl9pPr>
+  </p:notesStyle>
+</p:notesMaster>
+</file>
+
+<file path=ppt/notesSlides/notesSlide1.xml><?xml version="1.0" encoding="utf-8"?>
+<p:notes xmlns:a="http://schemas.openxmlformats.org/drawingml/2006/main" xmlns:r="http://schemas.openxmlformats.org/officeDocument/2006/relationships" xmlns:p="http://schemas.openxmlformats.org/presentationml/2006/main">
+  <p:cSld>
+    <p:spTree>
+      <p:nvGrpSpPr>
+        <p:cNvPr id="1" name=""/>
+        <p:cNvGrpSpPr/>
+        <p:nvPr/>
+      </p:nvGrpSpPr>
+      <p:grpSpPr>
+        <a:xfrm>
+          <a:off x="0" y="0"/>
+          <a:ext cx="0" cy="0"/>
+          <a:chOff x="0" y="0"/>
+          <a:chExt cx="0" cy="0"/>
+        </a:xfrm>
+      </p:grpSpPr>
+      <p:sp>
+        <p:nvSpPr>
+          <p:cNvPr id="2" name="Zástupný symbol pro obrázek snímku 1"/>
+          <p:cNvSpPr>
+            <a:spLocks noGrp="1" noRot="1" noChangeAspect="1"/>
+          </p:cNvSpPr>
+          <p:nvPr>
+            <p:ph type="sldImg"/>
+          </p:nvPr>
+        </p:nvSpPr>
+        <p:spPr/>
+      </p:sp>
+      <p:sp>
+        <p:nvSpPr>
+          <p:cNvPr id="3" name="Zástupný symbol pro poznámky 2"/>
+          <p:cNvSpPr>
+            <a:spLocks noGrp="1"/>
+          </p:cNvSpPr>
+          <p:nvPr>
+            <p:ph type="body" idx="1"/>
+          </p:nvPr>
+        </p:nvSpPr>
+        <p:spPr/>
+        <p:txBody>
+          <a:bodyPr/>
+          <a:lstStyle/>
+          <a:p>
+            <a:r>
+              <a:rPr lang="cs-CZ" dirty="0" err="1"/>
+              <a:t>Winds</a:t>
+            </a:r>
+            <a:r>
+              <a:rPr lang="cs-CZ" dirty="0"/>
+              <a:t>: </a:t>
+            </a:r>
+            <a:r>
+              <a:rPr lang="cs-CZ" dirty="0" err="1"/>
+              <a:t>can</a:t>
+            </a:r>
+            <a:r>
+              <a:rPr lang="cs-CZ" dirty="0"/>
+              <a:t> </a:t>
+            </a:r>
+            <a:r>
+              <a:rPr lang="cs-CZ" dirty="0" err="1"/>
+              <a:t>reach</a:t>
+            </a:r>
+            <a:r>
+              <a:rPr lang="cs-CZ" dirty="0"/>
+              <a:t> up to 35mph </a:t>
+            </a:r>
+            <a:r>
+              <a:rPr lang="cs-CZ" dirty="0" err="1"/>
+              <a:t>or</a:t>
+            </a:r>
+            <a:r>
+              <a:rPr lang="cs-CZ" dirty="0"/>
+              <a:t> 56 </a:t>
+            </a:r>
+            <a:r>
+              <a:rPr lang="cs-CZ" dirty="0" err="1"/>
+              <a:t>kmh</a:t>
+            </a:r>
+            <a:endParaRPr lang="cs-CZ" dirty="0"/>
+          </a:p>
+          <a:p>
+            <a:r>
+              <a:rPr lang="cs-CZ" dirty="0" err="1"/>
+              <a:t>Visibility</a:t>
+            </a:r>
+            <a:r>
+              <a:rPr lang="cs-CZ" dirty="0"/>
+              <a:t>: </a:t>
+            </a:r>
+            <a:r>
+              <a:rPr lang="cs-CZ" dirty="0" err="1"/>
+              <a:t>less</a:t>
+            </a:r>
+            <a:r>
+              <a:rPr lang="cs-CZ" dirty="0"/>
+              <a:t> </a:t>
+            </a:r>
+            <a:r>
+              <a:rPr lang="cs-CZ" dirty="0" err="1"/>
+              <a:t>than</a:t>
+            </a:r>
+            <a:r>
+              <a:rPr lang="cs-CZ" dirty="0"/>
+              <a:t> 0.25 </a:t>
+            </a:r>
+            <a:r>
+              <a:rPr lang="cs-CZ" dirty="0" err="1"/>
+              <a:t>miles</a:t>
+            </a:r>
+            <a:r>
+              <a:rPr lang="cs-CZ" dirty="0"/>
+              <a:t> </a:t>
+            </a:r>
+            <a:r>
+              <a:rPr lang="cs-CZ" dirty="0" err="1"/>
+              <a:t>or</a:t>
+            </a:r>
+            <a:r>
+              <a:rPr lang="cs-CZ" dirty="0"/>
+              <a:t> 400 </a:t>
+            </a:r>
+            <a:r>
+              <a:rPr lang="cs-CZ" dirty="0" err="1"/>
+              <a:t>meters</a:t>
+            </a:r>
+            <a:endParaRPr lang="cs-CZ" dirty="0"/>
+          </a:p>
+          <a:p>
+            <a:r>
+              <a:rPr lang="cs-CZ" dirty="0" err="1"/>
+              <a:t>Duration</a:t>
+            </a:r>
+            <a:r>
+              <a:rPr lang="cs-CZ" dirty="0"/>
+              <a:t>: minimum </a:t>
+            </a:r>
+            <a:r>
+              <a:rPr lang="cs-CZ" dirty="0" err="1"/>
+              <a:t>of</a:t>
+            </a:r>
+            <a:r>
+              <a:rPr lang="cs-CZ" dirty="0"/>
+              <a:t> 3 </a:t>
+            </a:r>
+            <a:r>
+              <a:rPr lang="cs-CZ" dirty="0" err="1"/>
+              <a:t>hours</a:t>
+            </a:r>
+            <a:endParaRPr lang="cs-CZ" dirty="0"/>
+          </a:p>
+        </p:txBody>
+      </p:sp>
+      <p:sp>
+        <p:nvSpPr>
+          <p:cNvPr id="4" name="Zástupný symbol pro číslo snímku 3"/>
+          <p:cNvSpPr>
+            <a:spLocks noGrp="1"/>
+          </p:cNvSpPr>
+          <p:nvPr>
+            <p:ph type="sldNum" sz="quarter" idx="5"/>
+          </p:nvPr>
+        </p:nvSpPr>
+        <p:spPr/>
+        <p:txBody>
+          <a:bodyPr/>
+          <a:lstStyle/>
+          <a:p>
+            <a:fld id="{686A8C8D-C530-BA47-AC7D-0DCCA495F9D1}" type="slidenum">
+              <a:rPr lang="cs-CZ" smtClean="0"/>
+              <a:t>2</a:t>
+            </a:fld>
+            <a:endParaRPr lang="cs-CZ"/>
+          </a:p>
+        </p:txBody>
+      </p:sp>
+    </p:spTree>
+    <p:extLst>
+      <p:ext uri="{BB962C8B-B14F-4D97-AF65-F5344CB8AC3E}">
+        <p14:creationId xmlns:p14="http://schemas.microsoft.com/office/powerpoint/2010/main" val="2857927243"/>
+      </p:ext>
+    </p:extLst>
+  </p:cSld>
+  <p:clrMapOvr>
+    <a:masterClrMapping/>
+  </p:clrMapOvr>
+</p:notes>
+</file>
+
+<file path=ppt/notesSlides/notesSlide2.xml><?xml version="1.0" encoding="utf-8"?>
+<p:notes xmlns:a="http://schemas.openxmlformats.org/drawingml/2006/main" xmlns:r="http://schemas.openxmlformats.org/officeDocument/2006/relationships" xmlns:p="http://schemas.openxmlformats.org/presentationml/2006/main">
+  <p:cSld>
+    <p:spTree>
+      <p:nvGrpSpPr>
+        <p:cNvPr id="1" name=""/>
+        <p:cNvGrpSpPr/>
+        <p:nvPr/>
+      </p:nvGrpSpPr>
+      <p:grpSpPr>
+        <a:xfrm>
+          <a:off x="0" y="0"/>
+          <a:ext cx="0" cy="0"/>
+          <a:chOff x="0" y="0"/>
+          <a:chExt cx="0" cy="0"/>
+        </a:xfrm>
+      </p:grpSpPr>
+      <p:sp>
+        <p:nvSpPr>
+          <p:cNvPr id="2" name="Zástupný symbol pro obrázek snímku 1"/>
+          <p:cNvSpPr>
+            <a:spLocks noGrp="1" noRot="1" noChangeAspect="1"/>
+          </p:cNvSpPr>
+          <p:nvPr>
+            <p:ph type="sldImg"/>
+          </p:nvPr>
+        </p:nvSpPr>
+        <p:spPr/>
+      </p:sp>
+      <p:sp>
+        <p:nvSpPr>
+          <p:cNvPr id="3" name="Zástupný symbol pro poznámky 2"/>
+          <p:cNvSpPr>
+            <a:spLocks noGrp="1"/>
+          </p:cNvSpPr>
+          <p:nvPr>
+            <p:ph type="body" idx="1"/>
+          </p:nvPr>
+        </p:nvSpPr>
+        <p:spPr/>
+        <p:txBody>
+          <a:bodyPr/>
+          <a:lstStyle/>
+          <a:p>
+            <a:r>
+              <a:rPr lang="cs-CZ" dirty="0" err="1"/>
+              <a:t>Cold</a:t>
+            </a:r>
+            <a:r>
+              <a:rPr lang="cs-CZ" dirty="0"/>
+              <a:t> air: </a:t>
+            </a:r>
+            <a:r>
+              <a:rPr lang="cs-CZ" dirty="0" err="1"/>
+              <a:t>Blizzards</a:t>
+            </a:r>
+            <a:r>
+              <a:rPr lang="cs-CZ" dirty="0"/>
+              <a:t> </a:t>
+            </a:r>
+            <a:r>
+              <a:rPr lang="cs-CZ" dirty="0" err="1"/>
+              <a:t>need</a:t>
+            </a:r>
+            <a:r>
+              <a:rPr lang="cs-CZ" dirty="0"/>
+              <a:t> very </a:t>
+            </a:r>
+            <a:r>
+              <a:rPr lang="cs-CZ" dirty="0" err="1"/>
+              <a:t>cold</a:t>
+            </a:r>
+            <a:r>
+              <a:rPr lang="cs-CZ" dirty="0"/>
+              <a:t> air (-0°C)</a:t>
+            </a:r>
+          </a:p>
+          <a:p>
+            <a:r>
+              <a:rPr lang="cs-CZ" dirty="0" err="1"/>
+              <a:t>Moisture</a:t>
+            </a:r>
+            <a:r>
+              <a:rPr lang="cs-CZ" dirty="0"/>
+              <a:t>: </a:t>
+            </a:r>
+            <a:r>
+              <a:rPr lang="cs-CZ" dirty="0" err="1"/>
+              <a:t>They</a:t>
+            </a:r>
+            <a:r>
+              <a:rPr lang="cs-CZ" dirty="0"/>
+              <a:t> </a:t>
+            </a:r>
+            <a:r>
+              <a:rPr lang="cs-CZ" dirty="0" err="1"/>
+              <a:t>require</a:t>
+            </a:r>
+            <a:r>
+              <a:rPr lang="cs-CZ" dirty="0"/>
+              <a:t> </a:t>
+            </a:r>
+            <a:r>
+              <a:rPr lang="cs-CZ" dirty="0" err="1"/>
+              <a:t>moisture</a:t>
+            </a:r>
+            <a:r>
+              <a:rPr lang="cs-CZ" dirty="0"/>
+              <a:t> to </a:t>
+            </a:r>
+            <a:r>
+              <a:rPr lang="cs-CZ" dirty="0" err="1"/>
+              <a:t>form</a:t>
+            </a:r>
+            <a:r>
+              <a:rPr lang="cs-CZ" dirty="0"/>
+              <a:t> </a:t>
+            </a:r>
+            <a:r>
+              <a:rPr lang="cs-CZ" dirty="0" err="1"/>
+              <a:t>clouds</a:t>
+            </a:r>
+            <a:r>
+              <a:rPr lang="cs-CZ" dirty="0"/>
+              <a:t> and </a:t>
+            </a:r>
+            <a:r>
+              <a:rPr lang="cs-CZ" dirty="0" err="1"/>
+              <a:t>precipitation</a:t>
+            </a:r>
+            <a:endParaRPr lang="cs-CZ" dirty="0"/>
+          </a:p>
+          <a:p>
+            <a:r>
+              <a:rPr lang="cs-CZ" dirty="0"/>
+              <a:t>Lift: </a:t>
+            </a:r>
+            <a:r>
+              <a:rPr lang="cs-CZ" dirty="0" err="1"/>
+              <a:t>warm</a:t>
+            </a:r>
+            <a:r>
+              <a:rPr lang="cs-CZ" dirty="0"/>
+              <a:t> air </a:t>
+            </a:r>
+            <a:r>
+              <a:rPr lang="cs-CZ" dirty="0" err="1"/>
+              <a:t>rising</a:t>
+            </a:r>
+            <a:r>
+              <a:rPr lang="cs-CZ" dirty="0"/>
+              <a:t> </a:t>
+            </a:r>
+            <a:r>
+              <a:rPr lang="cs-CZ" dirty="0" err="1"/>
+              <a:t>over</a:t>
+            </a:r>
+            <a:r>
+              <a:rPr lang="cs-CZ" dirty="0"/>
+              <a:t> </a:t>
+            </a:r>
+            <a:r>
+              <a:rPr lang="cs-CZ" dirty="0" err="1"/>
+              <a:t>cold</a:t>
+            </a:r>
+            <a:r>
+              <a:rPr lang="cs-CZ" dirty="0"/>
+              <a:t> air </a:t>
+            </a:r>
+            <a:r>
+              <a:rPr lang="cs-CZ" dirty="0" err="1"/>
+              <a:t>helps</a:t>
+            </a:r>
+            <a:r>
+              <a:rPr lang="cs-CZ" dirty="0"/>
+              <a:t> </a:t>
+            </a:r>
+            <a:r>
+              <a:rPr lang="cs-CZ" dirty="0" err="1"/>
+              <a:t>create</a:t>
+            </a:r>
+            <a:r>
+              <a:rPr lang="cs-CZ" dirty="0"/>
+              <a:t>  </a:t>
+            </a:r>
+            <a:r>
+              <a:rPr lang="cs-CZ" dirty="0" err="1"/>
+              <a:t>clouds</a:t>
+            </a:r>
+            <a:r>
+              <a:rPr lang="cs-CZ" dirty="0"/>
+              <a:t> and </a:t>
+            </a:r>
+            <a:r>
+              <a:rPr lang="cs-CZ" dirty="0" err="1"/>
+              <a:t>snow</a:t>
+            </a:r>
+            <a:endParaRPr lang="cs-CZ" dirty="0"/>
+          </a:p>
+        </p:txBody>
+      </p:sp>
+      <p:sp>
+        <p:nvSpPr>
+          <p:cNvPr id="4" name="Zástupný symbol pro číslo snímku 3"/>
+          <p:cNvSpPr>
+            <a:spLocks noGrp="1"/>
+          </p:cNvSpPr>
+          <p:nvPr>
+            <p:ph type="sldNum" sz="quarter" idx="5"/>
+          </p:nvPr>
+        </p:nvSpPr>
+        <p:spPr/>
+        <p:txBody>
+          <a:bodyPr/>
+          <a:lstStyle/>
+          <a:p>
+            <a:fld id="{686A8C8D-C530-BA47-AC7D-0DCCA495F9D1}" type="slidenum">
+              <a:rPr lang="cs-CZ" smtClean="0"/>
+              <a:t>3</a:t>
+            </a:fld>
+            <a:endParaRPr lang="cs-CZ"/>
+          </a:p>
+        </p:txBody>
+      </p:sp>
+    </p:spTree>
+    <p:extLst>
+      <p:ext uri="{BB962C8B-B14F-4D97-AF65-F5344CB8AC3E}">
+        <p14:creationId xmlns:p14="http://schemas.microsoft.com/office/powerpoint/2010/main" val="1136983237"/>
+      </p:ext>
+    </p:extLst>
+  </p:cSld>
+  <p:clrMapOvr>
+    <a:masterClrMapping/>
+  </p:clrMapOvr>
+</p:notes>
+</file>
+
+<file path=ppt/notesSlides/notesSlide3.xml><?xml version="1.0" encoding="utf-8"?>
+<p:notes xmlns:a="http://schemas.openxmlformats.org/drawingml/2006/main" xmlns:r="http://schemas.openxmlformats.org/officeDocument/2006/relationships" xmlns:p="http://schemas.openxmlformats.org/presentationml/2006/main">
+  <p:cSld>
+    <p:spTree>
+      <p:nvGrpSpPr>
+        <p:cNvPr id="1" name=""/>
+        <p:cNvGrpSpPr/>
+        <p:nvPr/>
+      </p:nvGrpSpPr>
+      <p:grpSpPr>
+        <a:xfrm>
+          <a:off x="0" y="0"/>
+          <a:ext cx="0" cy="0"/>
+          <a:chOff x="0" y="0"/>
+          <a:chExt cx="0" cy="0"/>
+        </a:xfrm>
+      </p:grpSpPr>
+      <p:sp>
+        <p:nvSpPr>
+          <p:cNvPr id="2" name="Zástupný symbol pro obrázek snímku 1"/>
+          <p:cNvSpPr>
+            <a:spLocks noGrp="1" noRot="1" noChangeAspect="1"/>
+          </p:cNvSpPr>
+          <p:nvPr>
+            <p:ph type="sldImg"/>
+          </p:nvPr>
+        </p:nvSpPr>
+        <p:spPr/>
+      </p:sp>
+      <p:sp>
+        <p:nvSpPr>
+          <p:cNvPr id="3" name="Zástupný symbol pro poznámky 2"/>
+          <p:cNvSpPr>
+            <a:spLocks noGrp="1"/>
+          </p:cNvSpPr>
+          <p:nvPr>
+            <p:ph type="body" idx="1"/>
+          </p:nvPr>
+        </p:nvSpPr>
+        <p:spPr/>
+        <p:txBody>
+          <a:bodyPr/>
+          <a:lstStyle/>
+          <a:p>
+            <a:r>
+              <a:rPr lang="cs-CZ" dirty="0" err="1"/>
+              <a:t>Low</a:t>
+            </a:r>
+            <a:r>
+              <a:rPr lang="cs-CZ" dirty="0"/>
+              <a:t> </a:t>
+            </a:r>
+            <a:r>
+              <a:rPr lang="cs-CZ" dirty="0" err="1"/>
+              <a:t>visibility</a:t>
+            </a:r>
+            <a:r>
+              <a:rPr lang="cs-CZ" dirty="0"/>
+              <a:t>: </a:t>
+            </a:r>
+            <a:r>
+              <a:rPr lang="cs-CZ" dirty="0" err="1"/>
+              <a:t>Heavy</a:t>
+            </a:r>
+            <a:r>
+              <a:rPr lang="cs-CZ" dirty="0"/>
+              <a:t> </a:t>
+            </a:r>
+            <a:r>
+              <a:rPr lang="cs-CZ" dirty="0" err="1"/>
+              <a:t>snow</a:t>
+            </a:r>
+            <a:r>
+              <a:rPr lang="cs-CZ" dirty="0"/>
+              <a:t> and </a:t>
+            </a:r>
+            <a:r>
+              <a:rPr lang="cs-CZ" dirty="0" err="1"/>
+              <a:t>strong</a:t>
+            </a:r>
+            <a:r>
+              <a:rPr lang="cs-CZ" dirty="0"/>
+              <a:t> </a:t>
+            </a:r>
+            <a:r>
+              <a:rPr lang="cs-CZ" dirty="0" err="1"/>
+              <a:t>winds</a:t>
+            </a:r>
+            <a:r>
+              <a:rPr lang="cs-CZ" dirty="0"/>
+              <a:t> make </a:t>
+            </a:r>
+            <a:r>
+              <a:rPr lang="cs-CZ" dirty="0" err="1"/>
+              <a:t>it</a:t>
+            </a:r>
+            <a:r>
+              <a:rPr lang="cs-CZ" dirty="0"/>
+              <a:t> hard to </a:t>
+            </a:r>
+            <a:r>
+              <a:rPr lang="cs-CZ" dirty="0" err="1"/>
+              <a:t>see</a:t>
+            </a:r>
+            <a:r>
+              <a:rPr lang="cs-CZ" dirty="0"/>
+              <a:t>, </a:t>
+            </a:r>
+            <a:r>
+              <a:rPr lang="cs-CZ" dirty="0" err="1"/>
+              <a:t>which</a:t>
+            </a:r>
+            <a:r>
+              <a:rPr lang="cs-CZ" dirty="0"/>
+              <a:t> </a:t>
+            </a:r>
+            <a:r>
+              <a:rPr lang="cs-CZ" dirty="0" err="1"/>
+              <a:t>is</a:t>
+            </a:r>
+            <a:r>
+              <a:rPr lang="cs-CZ" dirty="0"/>
+              <a:t> </a:t>
+            </a:r>
+            <a:r>
+              <a:rPr lang="cs-CZ" dirty="0" err="1"/>
+              <a:t>dangerous</a:t>
+            </a:r>
+            <a:r>
+              <a:rPr lang="cs-CZ" dirty="0"/>
+              <a:t> </a:t>
+            </a:r>
+            <a:r>
+              <a:rPr lang="cs-CZ" dirty="0" err="1"/>
+              <a:t>for</a:t>
+            </a:r>
+            <a:r>
+              <a:rPr lang="cs-CZ" dirty="0"/>
+              <a:t> </a:t>
+            </a:r>
+            <a:r>
+              <a:rPr lang="cs-CZ" dirty="0" err="1"/>
+              <a:t>driving</a:t>
+            </a:r>
+            <a:r>
+              <a:rPr lang="cs-CZ" dirty="0"/>
+              <a:t> and </a:t>
+            </a:r>
+            <a:r>
+              <a:rPr lang="cs-CZ" dirty="0" err="1"/>
+              <a:t>walking</a:t>
+            </a:r>
+            <a:endParaRPr lang="cs-CZ" dirty="0"/>
+          </a:p>
+          <a:p>
+            <a:r>
+              <a:rPr lang="cs-CZ" dirty="0" err="1"/>
+              <a:t>Snowdrifts</a:t>
+            </a:r>
+            <a:r>
+              <a:rPr lang="cs-CZ" dirty="0"/>
+              <a:t>: </a:t>
+            </a:r>
+            <a:r>
+              <a:rPr lang="cs-CZ" dirty="0" err="1"/>
+              <a:t>Win</a:t>
+            </a:r>
+            <a:r>
+              <a:rPr lang="cs-CZ" dirty="0"/>
+              <a:t> </a:t>
+            </a:r>
+            <a:r>
+              <a:rPr lang="cs-CZ" dirty="0" err="1"/>
+              <a:t>can</a:t>
+            </a:r>
+            <a:r>
+              <a:rPr lang="cs-CZ" dirty="0"/>
+              <a:t> pile </a:t>
+            </a:r>
+            <a:r>
+              <a:rPr lang="cs-CZ" dirty="0" err="1"/>
+              <a:t>snow</a:t>
+            </a:r>
+            <a:r>
+              <a:rPr lang="cs-CZ" dirty="0"/>
+              <a:t> </a:t>
+            </a:r>
+            <a:r>
+              <a:rPr lang="cs-CZ" dirty="0" err="1"/>
+              <a:t>into</a:t>
+            </a:r>
+            <a:r>
+              <a:rPr lang="cs-CZ" dirty="0"/>
+              <a:t> </a:t>
+            </a:r>
+            <a:r>
+              <a:rPr lang="cs-CZ" dirty="0" err="1"/>
+              <a:t>large</a:t>
+            </a:r>
+            <a:r>
+              <a:rPr lang="cs-CZ" dirty="0"/>
+              <a:t> </a:t>
+            </a:r>
+            <a:r>
+              <a:rPr lang="cs-CZ" dirty="0" err="1"/>
+              <a:t>heaps</a:t>
+            </a:r>
+            <a:r>
+              <a:rPr lang="cs-CZ" dirty="0"/>
+              <a:t>, </a:t>
+            </a:r>
+            <a:r>
+              <a:rPr lang="cs-CZ" dirty="0" err="1"/>
+              <a:t>blocking</a:t>
+            </a:r>
+            <a:r>
+              <a:rPr lang="cs-CZ" dirty="0"/>
+              <a:t> </a:t>
+            </a:r>
+            <a:r>
+              <a:rPr lang="cs-CZ" dirty="0" err="1"/>
+              <a:t>roads</a:t>
+            </a:r>
+            <a:r>
+              <a:rPr lang="cs-CZ" dirty="0"/>
+              <a:t> and </a:t>
+            </a:r>
+            <a:r>
+              <a:rPr lang="cs-CZ" dirty="0" err="1"/>
+              <a:t>paths</a:t>
+            </a:r>
+            <a:endParaRPr lang="cs-CZ" dirty="0"/>
+          </a:p>
+          <a:p>
+            <a:r>
+              <a:rPr lang="cs-CZ" dirty="0" err="1"/>
+              <a:t>Cold</a:t>
+            </a:r>
+            <a:r>
+              <a:rPr lang="cs-CZ" dirty="0"/>
+              <a:t> </a:t>
+            </a:r>
+            <a:r>
+              <a:rPr lang="cs-CZ" dirty="0" err="1"/>
+              <a:t>Temperatures</a:t>
+            </a:r>
+            <a:r>
+              <a:rPr lang="cs-CZ" dirty="0"/>
+              <a:t>: </a:t>
+            </a:r>
+            <a:r>
+              <a:rPr lang="cs-CZ" dirty="0" err="1"/>
+              <a:t>Strong</a:t>
+            </a:r>
+            <a:r>
+              <a:rPr lang="cs-CZ" dirty="0"/>
+              <a:t> </a:t>
+            </a:r>
+            <a:r>
+              <a:rPr lang="cs-CZ" dirty="0" err="1"/>
+              <a:t>winds</a:t>
+            </a:r>
+            <a:r>
+              <a:rPr lang="cs-CZ" dirty="0"/>
+              <a:t> </a:t>
+            </a:r>
+            <a:r>
+              <a:rPr lang="cs-CZ" dirty="0" err="1"/>
+              <a:t>can</a:t>
+            </a:r>
+            <a:r>
+              <a:rPr lang="cs-CZ" dirty="0"/>
+              <a:t> make </a:t>
+            </a:r>
+            <a:r>
+              <a:rPr lang="cs-CZ" dirty="0" err="1"/>
+              <a:t>it</a:t>
+            </a:r>
+            <a:r>
+              <a:rPr lang="cs-CZ" dirty="0"/>
+              <a:t> </a:t>
+            </a:r>
+            <a:r>
+              <a:rPr lang="cs-CZ" dirty="0" err="1"/>
+              <a:t>even</a:t>
+            </a:r>
+            <a:r>
+              <a:rPr lang="cs-CZ" dirty="0"/>
+              <a:t> </a:t>
+            </a:r>
+            <a:r>
+              <a:rPr lang="cs-CZ" dirty="0" err="1"/>
+              <a:t>colder</a:t>
+            </a:r>
+            <a:r>
+              <a:rPr lang="cs-CZ" dirty="0"/>
+              <a:t>, </a:t>
+            </a:r>
+            <a:r>
+              <a:rPr lang="cs-CZ" dirty="0" err="1"/>
+              <a:t>increasing</a:t>
+            </a:r>
+            <a:r>
+              <a:rPr lang="cs-CZ" dirty="0"/>
+              <a:t> </a:t>
+            </a:r>
+            <a:r>
+              <a:rPr lang="cs-CZ" dirty="0" err="1"/>
+              <a:t>the</a:t>
+            </a:r>
+            <a:r>
+              <a:rPr lang="cs-CZ" dirty="0"/>
+              <a:t> risk </a:t>
+            </a:r>
+            <a:r>
+              <a:rPr lang="cs-CZ" dirty="0" err="1"/>
+              <a:t>of</a:t>
+            </a:r>
+            <a:r>
+              <a:rPr lang="cs-CZ" dirty="0"/>
+              <a:t> </a:t>
+            </a:r>
+            <a:r>
+              <a:rPr lang="cs-CZ" dirty="0" err="1"/>
+              <a:t>frostbite</a:t>
+            </a:r>
+            <a:r>
+              <a:rPr lang="cs-CZ" dirty="0"/>
+              <a:t> and </a:t>
+            </a:r>
+            <a:r>
+              <a:rPr lang="cs-CZ" dirty="0" err="1"/>
+              <a:t>hypothermia</a:t>
+            </a:r>
+            <a:endParaRPr lang="cs-CZ" dirty="0"/>
+          </a:p>
+        </p:txBody>
+      </p:sp>
+      <p:sp>
+        <p:nvSpPr>
+          <p:cNvPr id="4" name="Zástupný symbol pro číslo snímku 3"/>
+          <p:cNvSpPr>
+            <a:spLocks noGrp="1"/>
+          </p:cNvSpPr>
+          <p:nvPr>
+            <p:ph type="sldNum" sz="quarter" idx="5"/>
+          </p:nvPr>
+        </p:nvSpPr>
+        <p:spPr/>
+        <p:txBody>
+          <a:bodyPr/>
+          <a:lstStyle/>
+          <a:p>
+            <a:fld id="{686A8C8D-C530-BA47-AC7D-0DCCA495F9D1}" type="slidenum">
+              <a:rPr lang="cs-CZ" smtClean="0"/>
+              <a:t>5</a:t>
+            </a:fld>
+            <a:endParaRPr lang="cs-CZ"/>
+          </a:p>
+        </p:txBody>
+      </p:sp>
+    </p:spTree>
+    <p:extLst>
+      <p:ext uri="{BB962C8B-B14F-4D97-AF65-F5344CB8AC3E}">
+        <p14:creationId xmlns:p14="http://schemas.microsoft.com/office/powerpoint/2010/main" val="3485021124"/>
+      </p:ext>
+    </p:extLst>
+  </p:cSld>
+  <p:clrMapOvr>
+    <a:masterClrMapping/>
+  </p:clrMapOvr>
+</p:notes>
+</file>
+
+<file path=ppt/notesSlides/notesSlide4.xml><?xml version="1.0" encoding="utf-8"?>
+<p:notes xmlns:a="http://schemas.openxmlformats.org/drawingml/2006/main" xmlns:r="http://schemas.openxmlformats.org/officeDocument/2006/relationships" xmlns:p="http://schemas.openxmlformats.org/presentationml/2006/main">
+  <p:cSld>
+    <p:spTree>
+      <p:nvGrpSpPr>
+        <p:cNvPr id="1" name=""/>
+        <p:cNvGrpSpPr/>
+        <p:nvPr/>
+      </p:nvGrpSpPr>
+      <p:grpSpPr>
+        <a:xfrm>
+          <a:off x="0" y="0"/>
+          <a:ext cx="0" cy="0"/>
+          <a:chOff x="0" y="0"/>
+          <a:chExt cx="0" cy="0"/>
+        </a:xfrm>
+      </p:grpSpPr>
+      <p:sp>
+        <p:nvSpPr>
+          <p:cNvPr id="2" name="Zástupný symbol pro obrázek snímku 1"/>
+          <p:cNvSpPr>
+            <a:spLocks noGrp="1" noRot="1" noChangeAspect="1"/>
+          </p:cNvSpPr>
+          <p:nvPr>
+            <p:ph type="sldImg"/>
+          </p:nvPr>
+        </p:nvSpPr>
+        <p:spPr/>
+      </p:sp>
+      <p:sp>
+        <p:nvSpPr>
+          <p:cNvPr id="3" name="Zástupný symbol pro poznámky 2"/>
+          <p:cNvSpPr>
+            <a:spLocks noGrp="1"/>
+          </p:cNvSpPr>
+          <p:nvPr>
+            <p:ph type="body" idx="1"/>
+          </p:nvPr>
+        </p:nvSpPr>
+        <p:spPr/>
+        <p:txBody>
+          <a:bodyPr/>
+          <a:lstStyle/>
+          <a:p>
+            <a:r>
+              <a:rPr lang="cs-CZ" dirty="0" err="1"/>
+              <a:t>Stay</a:t>
+            </a:r>
+            <a:r>
+              <a:rPr lang="cs-CZ" dirty="0"/>
+              <a:t> </a:t>
+            </a:r>
+            <a:r>
+              <a:rPr lang="cs-CZ" dirty="0" err="1"/>
+              <a:t>indoors</a:t>
+            </a:r>
+            <a:r>
+              <a:rPr lang="cs-CZ" dirty="0"/>
+              <a:t>: </a:t>
+            </a:r>
+            <a:r>
+              <a:rPr lang="cs-CZ" dirty="0" err="1"/>
+              <a:t>It</a:t>
+            </a:r>
+            <a:r>
+              <a:rPr lang="cs-CZ" dirty="0"/>
+              <a:t> </a:t>
+            </a:r>
+            <a:r>
+              <a:rPr lang="cs-CZ" dirty="0" err="1"/>
+              <a:t>is</a:t>
+            </a:r>
+            <a:r>
+              <a:rPr lang="cs-CZ" dirty="0"/>
+              <a:t> </a:t>
+            </a:r>
+            <a:r>
+              <a:rPr lang="cs-CZ" dirty="0" err="1"/>
+              <a:t>safest</a:t>
+            </a:r>
+            <a:r>
+              <a:rPr lang="cs-CZ" dirty="0"/>
+              <a:t> to </a:t>
+            </a:r>
+            <a:r>
+              <a:rPr lang="cs-CZ" dirty="0" err="1"/>
+              <a:t>reamin</a:t>
+            </a:r>
+            <a:r>
+              <a:rPr lang="cs-CZ" dirty="0"/>
+              <a:t> </a:t>
+            </a:r>
+            <a:r>
+              <a:rPr lang="cs-CZ" dirty="0" err="1"/>
+              <a:t>inside</a:t>
+            </a:r>
+            <a:r>
+              <a:rPr lang="cs-CZ" dirty="0"/>
+              <a:t> </a:t>
+            </a:r>
+            <a:r>
+              <a:rPr lang="cs-CZ" dirty="0" err="1"/>
+              <a:t>during</a:t>
+            </a:r>
+            <a:r>
+              <a:rPr lang="cs-CZ" dirty="0"/>
+              <a:t> a </a:t>
+            </a:r>
+            <a:r>
+              <a:rPr lang="cs-CZ" dirty="0" err="1"/>
+              <a:t>blizzard</a:t>
+            </a:r>
+            <a:endParaRPr lang="cs-CZ" dirty="0"/>
+          </a:p>
+          <a:p>
+            <a:r>
+              <a:rPr lang="cs-CZ" dirty="0" err="1"/>
+              <a:t>Emergency</a:t>
+            </a:r>
+            <a:r>
+              <a:rPr lang="cs-CZ" dirty="0"/>
+              <a:t> </a:t>
+            </a:r>
+            <a:r>
+              <a:rPr lang="cs-CZ" dirty="0" err="1"/>
+              <a:t>Kit</a:t>
+            </a:r>
+            <a:r>
+              <a:rPr lang="cs-CZ" dirty="0"/>
+              <a:t>: </a:t>
+            </a:r>
+            <a:r>
+              <a:rPr lang="cs-CZ" dirty="0" err="1"/>
+              <a:t>Keep</a:t>
+            </a:r>
+            <a:r>
+              <a:rPr lang="cs-CZ" dirty="0"/>
+              <a:t> food, </a:t>
+            </a:r>
+            <a:r>
+              <a:rPr lang="cs-CZ" dirty="0" err="1"/>
+              <a:t>water</a:t>
+            </a:r>
+            <a:r>
+              <a:rPr lang="cs-CZ" dirty="0"/>
+              <a:t>, and </a:t>
+            </a:r>
+            <a:r>
+              <a:rPr lang="cs-CZ" dirty="0" err="1"/>
+              <a:t>warm</a:t>
+            </a:r>
+            <a:r>
+              <a:rPr lang="cs-CZ" dirty="0"/>
+              <a:t> </a:t>
+            </a:r>
+            <a:r>
+              <a:rPr lang="cs-CZ" dirty="0" err="1"/>
+              <a:t>clothing</a:t>
+            </a:r>
+            <a:r>
+              <a:rPr lang="cs-CZ" dirty="0"/>
+              <a:t> in case </a:t>
+            </a:r>
+            <a:r>
+              <a:rPr lang="cs-CZ" dirty="0" err="1"/>
+              <a:t>the</a:t>
+            </a:r>
+            <a:r>
+              <a:rPr lang="cs-CZ" dirty="0"/>
+              <a:t> </a:t>
+            </a:r>
+            <a:r>
+              <a:rPr lang="cs-CZ" dirty="0" err="1"/>
+              <a:t>power</a:t>
+            </a:r>
+            <a:r>
+              <a:rPr lang="cs-CZ" dirty="0"/>
+              <a:t> </a:t>
+            </a:r>
+            <a:r>
+              <a:rPr lang="cs-CZ" dirty="0" err="1"/>
+              <a:t>goes</a:t>
+            </a:r>
+            <a:r>
+              <a:rPr lang="cs-CZ" dirty="0"/>
+              <a:t> </a:t>
+            </a:r>
+            <a:r>
+              <a:rPr lang="cs-CZ" dirty="0" err="1"/>
+              <a:t>out</a:t>
+            </a:r>
+            <a:endParaRPr lang="cs-CZ" dirty="0"/>
+          </a:p>
+          <a:p>
+            <a:r>
+              <a:rPr lang="cs-CZ" dirty="0" err="1"/>
+              <a:t>Stay</a:t>
+            </a:r>
+            <a:r>
+              <a:rPr lang="cs-CZ" dirty="0"/>
+              <a:t> </a:t>
+            </a:r>
+            <a:r>
+              <a:rPr lang="cs-CZ" dirty="0" err="1"/>
+              <a:t>informed</a:t>
+            </a:r>
+            <a:r>
+              <a:rPr lang="cs-CZ" dirty="0"/>
+              <a:t>: Listen to </a:t>
+            </a:r>
+            <a:r>
+              <a:rPr lang="cs-CZ" dirty="0" err="1"/>
+              <a:t>weather</a:t>
+            </a:r>
+            <a:r>
+              <a:rPr lang="cs-CZ" dirty="0"/>
+              <a:t> </a:t>
+            </a:r>
+            <a:r>
+              <a:rPr lang="cs-CZ" dirty="0" err="1"/>
+              <a:t>updates</a:t>
+            </a:r>
+            <a:r>
+              <a:rPr lang="cs-CZ" dirty="0"/>
+              <a:t> and </a:t>
+            </a:r>
+            <a:r>
+              <a:rPr lang="cs-CZ" dirty="0" err="1"/>
+              <a:t>warnings</a:t>
+            </a:r>
+            <a:endParaRPr lang="cs-CZ" dirty="0"/>
+          </a:p>
+        </p:txBody>
+      </p:sp>
+      <p:sp>
+        <p:nvSpPr>
+          <p:cNvPr id="4" name="Zástupný symbol pro číslo snímku 3"/>
+          <p:cNvSpPr>
+            <a:spLocks noGrp="1"/>
+          </p:cNvSpPr>
+          <p:nvPr>
+            <p:ph type="sldNum" sz="quarter" idx="5"/>
+          </p:nvPr>
+        </p:nvSpPr>
+        <p:spPr/>
+        <p:txBody>
+          <a:bodyPr/>
+          <a:lstStyle/>
+          <a:p>
+            <a:fld id="{686A8C8D-C530-BA47-AC7D-0DCCA495F9D1}" type="slidenum">
+              <a:rPr lang="cs-CZ" smtClean="0"/>
+              <a:t>6</a:t>
+            </a:fld>
+            <a:endParaRPr lang="cs-CZ"/>
+          </a:p>
+        </p:txBody>
+      </p:sp>
+    </p:spTree>
+    <p:extLst>
+      <p:ext uri="{BB962C8B-B14F-4D97-AF65-F5344CB8AC3E}">
+        <p14:creationId xmlns:p14="http://schemas.microsoft.com/office/powerpoint/2010/main" val="214293612"/>
+      </p:ext>
+    </p:extLst>
+  </p:cSld>
+  <p:clrMapOvr>
+    <a:masterClrMapping/>
+  </p:clrMapOvr>
+</p:notes>
+</file>
+
 <file path=ppt/slideLayouts/slideLayout1.xml><?xml version="1.0" encoding="utf-8"?>
 <p:sldLayout xmlns:a="http://schemas.openxmlformats.org/drawingml/2006/main" xmlns:r="http://schemas.openxmlformats.org/officeDocument/2006/relationships" xmlns:p="http://schemas.openxmlformats.org/presentationml/2006/main" type="title" preserve="1">
   <p:cSld name="Title Slide">
@@ -270,7 +1693,7 @@
           <a:p>
             <a:fld id="{1ECB5883-038C-4696-8E27-1811E470D6D4}" type="datetime1">
               <a:rPr lang="en-US" smtClean="0"/>
-              <a:t>4/1/2025</a:t>
+              <a:t>4/2/2025</a:t>
             </a:fld>
             <a:endParaRPr lang="en-US"/>
           </a:p>
@@ -471,7 +1894,7 @@
           <a:p>
             <a:fld id="{61E8A6D4-154B-4E4D-9001-7A6C328D243E}" type="datetime1">
               <a:rPr lang="en-US" smtClean="0"/>
-              <a:t>4/1/2025</a:t>
+              <a:t>4/2/2025</a:t>
             </a:fld>
             <a:endParaRPr lang="en-US"/>
           </a:p>
@@ -682,7 +2105,7 @@
           <a:p>
             <a:fld id="{EF880999-9BD6-4929-BDEC-B84E21C16701}" type="datetime1">
               <a:rPr lang="en-US" smtClean="0"/>
-              <a:t>4/1/2025</a:t>
+              <a:t>4/2/2025</a:t>
             </a:fld>
             <a:endParaRPr lang="en-US"/>
           </a:p>
@@ -883,7 +2306,7 @@
           <a:p>
             <a:fld id="{579F6069-8263-4296-913A-BC2234E8D32B}" type="datetime1">
               <a:rPr lang="en-US" smtClean="0"/>
-              <a:t>4/1/2025</a:t>
+              <a:t>4/2/2025</a:t>
             </a:fld>
             <a:endParaRPr lang="en-US"/>
           </a:p>
@@ -1163,7 +2586,7 @@
           <a:p>
             <a:fld id="{BC9F5005-EC25-4FB9-B19B-2437F0B120D2}" type="datetime1">
               <a:rPr lang="en-US" smtClean="0"/>
-              <a:t>4/1/2025</a:t>
+              <a:t>4/2/2025</a:t>
             </a:fld>
             <a:endParaRPr lang="en-US"/>
           </a:p>
@@ -1431,7 +2854,7 @@
           <a:p>
             <a:fld id="{0B283B5C-2325-42FF-AF91-C1451D9D66CC}" type="datetime1">
               <a:rPr lang="en-US" smtClean="0"/>
-              <a:t>4/1/2025</a:t>
+              <a:t>4/2/2025</a:t>
             </a:fld>
             <a:endParaRPr lang="en-US"/>
           </a:p>
@@ -1850,7 +3273,7 @@
           <a:p>
             <a:fld id="{0F88DB08-3B01-46DD-99F2-F6F6334EA669}" type="datetime1">
               <a:rPr lang="en-US" smtClean="0"/>
-              <a:t>4/1/2025</a:t>
+              <a:t>4/2/2025</a:t>
             </a:fld>
             <a:endParaRPr lang="en-US"/>
           </a:p>
@@ -1994,7 +3417,7 @@
           <a:p>
             <a:fld id="{5892AC11-ACC3-4129-BBD7-C580BF1A4EE7}" type="datetime1">
               <a:rPr lang="en-US" smtClean="0"/>
-              <a:t>4/1/2025</a:t>
+              <a:t>4/2/2025</a:t>
             </a:fld>
             <a:endParaRPr lang="en-US"/>
           </a:p>
@@ -2110,7 +3533,7 @@
           <a:p>
             <a:fld id="{6D80F7F3-E406-44E2-93AF-674B3F1A2E51}" type="datetime1">
               <a:rPr lang="en-US" smtClean="0"/>
-              <a:t>4/1/2025</a:t>
+              <a:t>4/2/2025</a:t>
             </a:fld>
             <a:endParaRPr lang="en-US"/>
           </a:p>
@@ -2428,7 +3851,7 @@
           <a:p>
             <a:fld id="{2FB1DD93-7C9D-4E53-81F0-DDE57FEA7EDB}" type="datetime1">
               <a:rPr lang="en-US" smtClean="0"/>
-              <a:t>4/1/2025</a:t>
+              <a:t>4/2/2025</a:t>
             </a:fld>
             <a:endParaRPr lang="en-US"/>
           </a:p>
@@ -2721,7 +4144,7 @@
           <a:p>
             <a:fld id="{3DF7BC28-59DE-4F83-B4A1-497203279FAD}" type="datetime1">
               <a:rPr lang="en-US" smtClean="0"/>
-              <a:t>4/1/2025</a:t>
+              <a:t>4/2/2025</a:t>
             </a:fld>
             <a:endParaRPr lang="en-US"/>
           </a:p>
@@ -3021,7 +4444,7 @@
           <a:p>
             <a:fld id="{0BDC4764-F656-4735-9820-9886F8DF1D6A}" type="datetime1">
               <a:rPr lang="en-US" smtClean="0"/>
-              <a:t>4/1/2025</a:t>
+              <a:t>4/2/2025</a:t>
             </a:fld>
             <a:endParaRPr lang="en-US" dirty="0"/>
           </a:p>
@@ -3820,14 +5243,7 @@
               <a:rPr lang="cs-CZ" b="1" dirty="0" err="1"/>
               <a:t>winds</a:t>
             </a:r>
-            <a:r>
-              <a:rPr lang="cs-CZ" b="1" dirty="0"/>
-              <a:t>, </a:t>
-            </a:r>
-            <a:r>
-              <a:rPr lang="cs-CZ" dirty="0"/>
-              <a:t>up to 35mph (56 km/h)</a:t>
-            </a:r>
+            <a:endParaRPr lang="cs-CZ" dirty="0"/>
           </a:p>
           <a:p>
             <a:r>
@@ -3842,67 +5258,12 @@
               <a:rPr lang="cs-CZ" b="1" dirty="0" err="1"/>
               <a:t>Visibility</a:t>
             </a:r>
-            <a:r>
-              <a:rPr lang="cs-CZ" b="1" dirty="0"/>
-              <a:t>, </a:t>
-            </a:r>
-            <a:r>
-              <a:rPr lang="cs-CZ" dirty="0" err="1"/>
-              <a:t>less</a:t>
-            </a:r>
-            <a:r>
-              <a:rPr lang="cs-CZ" dirty="0"/>
-              <a:t> </a:t>
-            </a:r>
-            <a:r>
-              <a:rPr lang="cs-CZ" dirty="0" err="1"/>
-              <a:t>than</a:t>
-            </a:r>
-            <a:r>
-              <a:rPr lang="cs-CZ" dirty="0"/>
-              <a:t> 0.25 </a:t>
-            </a:r>
-            <a:r>
-              <a:rPr lang="cs-CZ" dirty="0" err="1"/>
-              <a:t>miles</a:t>
-            </a:r>
-            <a:r>
-              <a:rPr lang="cs-CZ" dirty="0"/>
-              <a:t> (400 </a:t>
-            </a:r>
-            <a:r>
-              <a:rPr lang="cs-CZ" dirty="0" err="1"/>
-              <a:t>meters</a:t>
-            </a:r>
-            <a:r>
-              <a:rPr lang="cs-CZ" dirty="0"/>
-              <a:t>)</a:t>
-            </a:r>
+            <a:endParaRPr lang="cs-CZ" dirty="0"/>
           </a:p>
           <a:p>
             <a:r>
               <a:rPr lang="cs-CZ" b="1" dirty="0" err="1"/>
               <a:t>Duration</a:t>
-            </a:r>
-            <a:r>
-              <a:rPr lang="cs-CZ" b="1" dirty="0"/>
-              <a:t>: </a:t>
-            </a:r>
-            <a:r>
-              <a:rPr lang="cs-CZ" dirty="0"/>
-              <a:t>Minimum </a:t>
-            </a:r>
-            <a:r>
-              <a:rPr lang="cs-CZ" dirty="0" err="1"/>
-              <a:t>of</a:t>
-            </a:r>
-            <a:r>
-              <a:rPr lang="cs-CZ" dirty="0"/>
-              <a:t> 3 </a:t>
-            </a:r>
-            <a:r>
-              <a:rPr lang="cs-CZ" dirty="0" err="1"/>
-              <a:t>hours</a:t>
             </a:r>
             <a:endParaRPr lang="cs-CZ" dirty="0"/>
           </a:p>
@@ -3969,7 +5330,7 @@
           <p:nvPr/>
         </p:nvPicPr>
         <p:blipFill>
-          <a:blip r:embed="rId2">
+          <a:blip r:embed="rId3">
             <a:extLst>
               <a:ext uri="{28A0092B-C50C-407E-A947-70E740481C1C}">
                 <a14:useLocalDpi xmlns:a14="http://schemas.microsoft.com/office/drawing/2010/main" val="0"/>
@@ -4119,44 +5480,11 @@
               <a:rPr lang="cs-CZ" b="1" dirty="0">
                 <a:cs typeface="Tunga" panose="020B0502040204020203" pitchFamily="34" charset="0"/>
               </a:rPr>
-              <a:t> air: </a:t>
-            </a:r>
-            <a:r>
-              <a:rPr lang="cs-CZ" dirty="0" err="1">
-                <a:cs typeface="Tunga" panose="020B0502040204020203" pitchFamily="34" charset="0"/>
-              </a:rPr>
-              <a:t>Blizzards</a:t>
-            </a:r>
-            <a:r>
-              <a:rPr lang="cs-CZ" dirty="0">
-                <a:cs typeface="Tunga" panose="020B0502040204020203" pitchFamily="34" charset="0"/>
-              </a:rPr>
-              <a:t> </a:t>
-            </a:r>
-            <a:r>
-              <a:rPr lang="cs-CZ" dirty="0" err="1">
-                <a:cs typeface="Tunga" panose="020B0502040204020203" pitchFamily="34" charset="0"/>
-              </a:rPr>
-              <a:t>need</a:t>
-            </a:r>
-            <a:r>
-              <a:rPr lang="cs-CZ" dirty="0">
-                <a:cs typeface="Tunga" panose="020B0502040204020203" pitchFamily="34" charset="0"/>
-              </a:rPr>
-              <a:t> very </a:t>
-            </a:r>
-            <a:r>
-              <a:rPr lang="cs-CZ" dirty="0" err="1">
-                <a:cs typeface="Tunga" panose="020B0502040204020203" pitchFamily="34" charset="0"/>
-              </a:rPr>
-              <a:t>cold</a:t>
-            </a:r>
-            <a:r>
-              <a:rPr lang="cs-CZ" dirty="0">
-                <a:cs typeface="Tunga" panose="020B0502040204020203" pitchFamily="34" charset="0"/>
-              </a:rPr>
-              <a:t> air (-0°C)</a:t>
-            </a:r>
+              <a:t> air</a:t>
+            </a:r>
+            <a:endParaRPr lang="cs-CZ" dirty="0">
+              <a:cs typeface="Tunga" panose="020B0502040204020203" pitchFamily="34" charset="0"/>
+            </a:endParaRPr>
           </a:p>
           <a:p>
             <a:r>
@@ -4165,172 +5493,16 @@
               </a:rPr>
               <a:t>Moisture</a:t>
             </a:r>
+            <a:endParaRPr lang="cs-CZ" dirty="0">
+              <a:cs typeface="Tunga" panose="020B0502040204020203" pitchFamily="34" charset="0"/>
+            </a:endParaRPr>
+          </a:p>
+          <a:p>
             <a:r>
               <a:rPr lang="cs-CZ" b="1" dirty="0">
                 <a:cs typeface="Tunga" panose="020B0502040204020203" pitchFamily="34" charset="0"/>
               </a:rPr>
-              <a:t>: </a:t>
-            </a:r>
-            <a:r>
-              <a:rPr lang="cs-CZ" dirty="0">
-                <a:cs typeface="Tunga" panose="020B0502040204020203" pitchFamily="34" charset="0"/>
-              </a:rPr>
-              <a:t>They </a:t>
-            </a:r>
-            <a:r>
-              <a:rPr lang="cs-CZ" dirty="0" err="1">
-                <a:cs typeface="Tunga" panose="020B0502040204020203" pitchFamily="34" charset="0"/>
-              </a:rPr>
-              <a:t>require</a:t>
-            </a:r>
-            <a:r>
-              <a:rPr lang="cs-CZ" dirty="0">
-                <a:cs typeface="Tunga" panose="020B0502040204020203" pitchFamily="34" charset="0"/>
-              </a:rPr>
-              <a:t> </a:t>
-            </a:r>
-            <a:r>
-              <a:rPr lang="cs-CZ" dirty="0" err="1">
-                <a:cs typeface="Tunga" panose="020B0502040204020203" pitchFamily="34" charset="0"/>
-              </a:rPr>
-              <a:t>moisture</a:t>
-            </a:r>
-            <a:r>
-              <a:rPr lang="cs-CZ" dirty="0">
-                <a:cs typeface="Tunga" panose="020B0502040204020203" pitchFamily="34" charset="0"/>
-              </a:rPr>
-              <a:t> to </a:t>
-            </a:r>
-            <a:r>
-              <a:rPr lang="cs-CZ" dirty="0" err="1">
-                <a:cs typeface="Tunga" panose="020B0502040204020203" pitchFamily="34" charset="0"/>
-              </a:rPr>
-              <a:t>form</a:t>
-            </a:r>
-            <a:r>
-              <a:rPr lang="cs-CZ" dirty="0">
-                <a:cs typeface="Tunga" panose="020B0502040204020203" pitchFamily="34" charset="0"/>
-              </a:rPr>
-              <a:t> </a:t>
-            </a:r>
-            <a:r>
-              <a:rPr lang="cs-CZ" dirty="0" err="1">
-                <a:cs typeface="Tunga" panose="020B0502040204020203" pitchFamily="34" charset="0"/>
-              </a:rPr>
-              <a:t>clouds</a:t>
-            </a:r>
-            <a:r>
-              <a:rPr lang="cs-CZ" dirty="0">
-                <a:cs typeface="Tunga" panose="020B0502040204020203" pitchFamily="34" charset="0"/>
-              </a:rPr>
-              <a:t> and </a:t>
-            </a:r>
-            <a:r>
-              <a:rPr lang="cs-CZ" dirty="0" err="1">
-                <a:cs typeface="Tunga" panose="020B0502040204020203" pitchFamily="34" charset="0"/>
-              </a:rPr>
-              <a:t>precipitation</a:t>
-            </a:r>
-            <a:endParaRPr lang="cs-CZ" dirty="0">
-              <a:cs typeface="Tunga" panose="020B0502040204020203" pitchFamily="34" charset="0"/>
-            </a:endParaRPr>
-          </a:p>
-          <a:p>
-            <a:r>
-              <a:rPr lang="cs-CZ" b="1" dirty="0">
-                <a:cs typeface="Tunga" panose="020B0502040204020203" pitchFamily="34" charset="0"/>
-              </a:rPr>
-              <a:t>Lift: </a:t>
-            </a:r>
-            <a:r>
-              <a:rPr lang="cs-CZ" dirty="0" err="1">
-                <a:cs typeface="Tunga" panose="020B0502040204020203" pitchFamily="34" charset="0"/>
-              </a:rPr>
-              <a:t>Warm</a:t>
-            </a:r>
-            <a:r>
-              <a:rPr lang="cs-CZ" dirty="0">
-                <a:cs typeface="Tunga" panose="020B0502040204020203" pitchFamily="34" charset="0"/>
-              </a:rPr>
-              <a:t> air </a:t>
-            </a:r>
-            <a:r>
-              <a:rPr lang="cs-CZ" dirty="0" err="1">
-                <a:cs typeface="Tunga" panose="020B0502040204020203" pitchFamily="34" charset="0"/>
-              </a:rPr>
-              <a:t>rising</a:t>
-            </a:r>
-            <a:r>
-              <a:rPr lang="cs-CZ" dirty="0">
-                <a:cs typeface="Tunga" panose="020B0502040204020203" pitchFamily="34" charset="0"/>
-              </a:rPr>
-              <a:t> </a:t>
-            </a:r>
-            <a:r>
-              <a:rPr lang="cs-CZ" dirty="0" err="1">
-                <a:cs typeface="Tunga" panose="020B0502040204020203" pitchFamily="34" charset="0"/>
-              </a:rPr>
-              <a:t>over</a:t>
-            </a:r>
-            <a:r>
-              <a:rPr lang="cs-CZ" dirty="0">
-                <a:cs typeface="Tunga" panose="020B0502040204020203" pitchFamily="34" charset="0"/>
-              </a:rPr>
-              <a:t> </a:t>
-            </a:r>
-            <a:r>
-              <a:rPr lang="cs-CZ" dirty="0" err="1">
-                <a:cs typeface="Tunga" panose="020B0502040204020203" pitchFamily="34" charset="0"/>
-              </a:rPr>
-              <a:t>cold</a:t>
-            </a:r>
-            <a:r>
-              <a:rPr lang="cs-CZ" dirty="0">
-                <a:cs typeface="Tunga" panose="020B0502040204020203" pitchFamily="34" charset="0"/>
-              </a:rPr>
-              <a:t> air </a:t>
-            </a:r>
-            <a:r>
-              <a:rPr lang="cs-CZ" dirty="0" err="1">
-                <a:cs typeface="Tunga" panose="020B0502040204020203" pitchFamily="34" charset="0"/>
-              </a:rPr>
-              <a:t>helps</a:t>
-            </a:r>
-            <a:r>
-              <a:rPr lang="cs-CZ" dirty="0">
-                <a:cs typeface="Tunga" panose="020B0502040204020203" pitchFamily="34" charset="0"/>
-              </a:rPr>
-              <a:t> </a:t>
-            </a:r>
-            <a:r>
-              <a:rPr lang="cs-CZ" dirty="0" err="1">
-                <a:cs typeface="Tunga" panose="020B0502040204020203" pitchFamily="34" charset="0"/>
-              </a:rPr>
-              <a:t>create</a:t>
-            </a:r>
-            <a:r>
-              <a:rPr lang="cs-CZ" dirty="0">
-                <a:cs typeface="Tunga" panose="020B0502040204020203" pitchFamily="34" charset="0"/>
-              </a:rPr>
-              <a:t> </a:t>
-            </a:r>
-            <a:r>
-              <a:rPr lang="cs-CZ" dirty="0" err="1">
-                <a:cs typeface="Tunga" panose="020B0502040204020203" pitchFamily="34" charset="0"/>
-              </a:rPr>
-              <a:t>clouds</a:t>
-            </a:r>
-            <a:r>
-              <a:rPr lang="cs-CZ" dirty="0">
-                <a:cs typeface="Tunga" panose="020B0502040204020203" pitchFamily="34" charset="0"/>
-              </a:rPr>
-              <a:t> and </a:t>
-            </a:r>
-            <a:r>
-              <a:rPr lang="cs-CZ" dirty="0" err="1">
-                <a:cs typeface="Tunga" panose="020B0502040204020203" pitchFamily="34" charset="0"/>
-              </a:rPr>
-              <a:t>snow</a:t>
+              <a:t>Lift</a:t>
             </a:r>
             <a:endParaRPr lang="cs-CZ" dirty="0">
               <a:cs typeface="Tunga" panose="020B0502040204020203" pitchFamily="34" charset="0"/>
@@ -4382,7 +5554,7 @@
           <p:nvPr/>
         </p:nvPicPr>
         <p:blipFill>
-          <a:blip r:embed="rId2">
+          <a:blip r:embed="rId3">
             <a:extLst>
               <a:ext uri="{28A0092B-C50C-407E-A947-70E740481C1C}">
                 <a14:useLocalDpi xmlns:a14="http://schemas.microsoft.com/office/drawing/2010/main" val="0"/>
@@ -4396,7 +5568,7 @@
         </p:blipFill>
         <p:spPr bwMode="auto">
           <a:xfrm>
-            <a:off x="2387600" y="3552824"/>
+            <a:off x="5408750" y="1431695"/>
             <a:ext cx="5308600" cy="2986088"/>
           </a:xfrm>
           <a:prstGeom prst="rect">
@@ -4715,49 +5887,58 @@
           <a:lstStyle/>
           <a:p>
             <a:r>
-              <a:rPr lang="cs-CZ" b="1">
+              <a:rPr lang="cs-CZ" b="1" dirty="0" err="1">
                 <a:cs typeface="Tunga" panose="020B0502040204020203" pitchFamily="34" charset="0"/>
               </a:rPr>
-              <a:t>Low visibility: </a:t>
-            </a:r>
-            <a:r>
-              <a:rPr lang="cs-CZ">
+              <a:t>Low</a:t>
+            </a:r>
+            <a:r>
+              <a:rPr lang="cs-CZ" b="1" dirty="0">
                 <a:cs typeface="Tunga" panose="020B0502040204020203" pitchFamily="34" charset="0"/>
               </a:rPr>
-              <a:t>Heavy snow and strong winds make it hard to see, which is dangerous for driving and walking</a:t>
-            </a:r>
-          </a:p>
-          <a:p>
-            <a:r>
-              <a:rPr lang="cs-CZ" b="1">
+              <a:t> </a:t>
+            </a:r>
+            <a:r>
+              <a:rPr lang="cs-CZ" b="1" dirty="0" err="1">
                 <a:cs typeface="Tunga" panose="020B0502040204020203" pitchFamily="34" charset="0"/>
               </a:rPr>
-              <a:t>Snowdrifts: </a:t>
-            </a:r>
-            <a:r>
-              <a:rPr lang="cs-CZ">
+              <a:t>visibility</a:t>
+            </a:r>
+            <a:endParaRPr lang="cs-CZ" dirty="0">
+              <a:cs typeface="Tunga" panose="020B0502040204020203" pitchFamily="34" charset="0"/>
+            </a:endParaRPr>
+          </a:p>
+          <a:p>
+            <a:r>
+              <a:rPr lang="cs-CZ" b="1" dirty="0" err="1">
                 <a:cs typeface="Tunga" panose="020B0502040204020203" pitchFamily="34" charset="0"/>
               </a:rPr>
-              <a:t>Win can pile snow into large heaps, blocking roads and paths</a:t>
-            </a:r>
-            <a:endParaRPr lang="cs-CZ" b="1">
+              <a:t>Snowdrifts</a:t>
+            </a:r>
+            <a:endParaRPr lang="cs-CZ" b="1" dirty="0">
               <a:cs typeface="Tunga" panose="020B0502040204020203" pitchFamily="34" charset="0"/>
             </a:endParaRPr>
           </a:p>
           <a:p>
             <a:r>
-              <a:rPr lang="cs-CZ" b="1">
+              <a:rPr lang="cs-CZ" b="1" dirty="0" err="1">
                 <a:cs typeface="Tunga" panose="020B0502040204020203" pitchFamily="34" charset="0"/>
               </a:rPr>
-              <a:t>Cold Temperatures: </a:t>
-            </a:r>
-            <a:r>
-              <a:rPr lang="cs-CZ">
+              <a:t>Cold</a:t>
+            </a:r>
+            <a:r>
+              <a:rPr lang="cs-CZ" b="1" dirty="0">
                 <a:cs typeface="Tunga" panose="020B0502040204020203" pitchFamily="34" charset="0"/>
               </a:rPr>
-              <a:t>Strong winds can make it even colder, increasing the risk of frostbite and hypothermia</a:t>
-            </a:r>
-            <a:endParaRPr lang="cs-CZ" b="1">
+              <a:t> </a:t>
+            </a:r>
+            <a:r>
+              <a:rPr lang="cs-CZ" b="1" dirty="0" err="1">
+                <a:cs typeface="Tunga" panose="020B0502040204020203" pitchFamily="34" charset="0"/>
+              </a:rPr>
+              <a:t>Temperatures</a:t>
+            </a:r>
+            <a:endParaRPr lang="cs-CZ" b="1" dirty="0">
               <a:cs typeface="Tunga" panose="020B0502040204020203" pitchFamily="34" charset="0"/>
             </a:endParaRPr>
           </a:p>
@@ -4815,7 +5996,7 @@
           <p:nvPr/>
         </p:nvPicPr>
         <p:blipFill>
-          <a:blip r:embed="rId2"/>
+          <a:blip r:embed="rId3"/>
           <a:stretch>
             <a:fillRect/>
           </a:stretch>
@@ -4942,58 +6123,6 @@
               <a:rPr lang="cs-CZ" b="1" dirty="0" err="1"/>
               <a:t>indoors</a:t>
             </a:r>
-            <a:r>
-              <a:rPr lang="cs-CZ" b="1" dirty="0"/>
-              <a:t>:</a:t>
-            </a:r>
-            <a:r>
-              <a:rPr lang="cs-CZ" dirty="0"/>
-              <a:t> It </a:t>
-            </a:r>
-            <a:r>
-              <a:rPr lang="cs-CZ" dirty="0" err="1"/>
-              <a:t>is</a:t>
-            </a:r>
-            <a:r>
-              <a:rPr lang="cs-CZ" dirty="0"/>
-              <a:t> </a:t>
-            </a:r>
-            <a:r>
-              <a:rPr lang="cs-CZ" dirty="0" err="1"/>
-              <a:t>safest</a:t>
-            </a:r>
-            <a:r>
-              <a:rPr lang="cs-CZ" dirty="0"/>
-              <a:t> to </a:t>
-            </a:r>
-            <a:r>
-              <a:rPr lang="cs-CZ" dirty="0" err="1"/>
-              <a:t>reamin</a:t>
-            </a:r>
-            <a:r>
-              <a:rPr lang="cs-CZ" dirty="0"/>
-              <a:t> </a:t>
-            </a:r>
-            <a:r>
-              <a:rPr lang="cs-CZ" dirty="0" err="1"/>
-              <a:t>inside</a:t>
-            </a:r>
-            <a:r>
-              <a:rPr lang="cs-CZ" dirty="0"/>
-              <a:t> </a:t>
-            </a:r>
-            <a:r>
-              <a:rPr lang="cs-CZ" dirty="0" err="1"/>
-              <a:t>during</a:t>
-            </a:r>
-            <a:r>
-              <a:rPr lang="cs-CZ" dirty="0"/>
-              <a:t> a </a:t>
-            </a:r>
-            <a:r>
-              <a:rPr lang="cs-CZ" dirty="0" err="1"/>
-              <a:t>blizzard</a:t>
-            </a:r>
             <a:endParaRPr lang="cs-CZ" dirty="0"/>
           </a:p>
           <a:p>
@@ -5009,66 +6138,7 @@
               <a:rPr lang="cs-CZ" b="1" dirty="0" err="1"/>
               <a:t>Kit</a:t>
             </a:r>
-            <a:r>
-              <a:rPr lang="cs-CZ" b="1" dirty="0"/>
-              <a:t>: </a:t>
-            </a:r>
-            <a:r>
-              <a:rPr lang="cs-CZ" dirty="0" err="1"/>
-              <a:t>Keep</a:t>
-            </a:r>
-            <a:r>
-              <a:rPr lang="cs-CZ" dirty="0"/>
-              <a:t> food, </a:t>
-            </a:r>
-            <a:r>
-              <a:rPr lang="cs-CZ" dirty="0" err="1"/>
-              <a:t>water</a:t>
-            </a:r>
-            <a:r>
-              <a:rPr lang="cs-CZ" dirty="0"/>
-              <a:t>, and </a:t>
-            </a:r>
-            <a:r>
-              <a:rPr lang="cs-CZ" dirty="0" err="1"/>
-              <a:t>warm</a:t>
-            </a:r>
-            <a:r>
-              <a:rPr lang="cs-CZ" dirty="0"/>
-              <a:t> </a:t>
-            </a:r>
-            <a:r>
-              <a:rPr lang="cs-CZ" dirty="0" err="1"/>
-              <a:t>clothing</a:t>
-            </a:r>
-            <a:r>
-              <a:rPr lang="cs-CZ" dirty="0"/>
-              <a:t> in case </a:t>
-            </a:r>
-            <a:r>
-              <a:rPr lang="cs-CZ" dirty="0" err="1"/>
-              <a:t>the</a:t>
-            </a:r>
-            <a:r>
-              <a:rPr lang="cs-CZ" dirty="0"/>
-              <a:t> </a:t>
-            </a:r>
-            <a:r>
-              <a:rPr lang="cs-CZ" dirty="0" err="1"/>
-              <a:t>power</a:t>
-            </a:r>
-            <a:r>
-              <a:rPr lang="cs-CZ" dirty="0"/>
-              <a:t> </a:t>
-            </a:r>
-            <a:r>
-              <a:rPr lang="cs-CZ" dirty="0" err="1"/>
-              <a:t>goes</a:t>
-            </a:r>
-            <a:r>
-              <a:rPr lang="cs-CZ" dirty="0"/>
-              <a:t> out</a:t>
-            </a:r>
+            <a:endParaRPr lang="cs-CZ" dirty="0"/>
           </a:p>
           <a:p>
             <a:r>
@@ -5082,34 +6152,6 @@
             <a:r>
               <a:rPr lang="cs-CZ" b="1" dirty="0" err="1"/>
               <a:t>informed</a:t>
-            </a:r>
-            <a:r>
-              <a:rPr lang="cs-CZ" b="1" dirty="0"/>
-              <a:t>: </a:t>
-            </a:r>
-            <a:r>
-              <a:rPr lang="cs-CZ" dirty="0"/>
-              <a:t>Listen to </a:t>
-            </a:r>
-            <a:r>
-              <a:rPr lang="cs-CZ" dirty="0" err="1"/>
-              <a:t>weather</a:t>
-            </a:r>
-            <a:r>
-              <a:rPr lang="cs-CZ" dirty="0"/>
-              <a:t> </a:t>
-            </a:r>
-            <a:r>
-              <a:rPr lang="cs-CZ" dirty="0" err="1"/>
-              <a:t>updates</a:t>
-            </a:r>
-            <a:r>
-              <a:rPr lang="cs-CZ" dirty="0"/>
-              <a:t> and </a:t>
-            </a:r>
-            <a:r>
-              <a:rPr lang="cs-CZ" dirty="0" err="1"/>
-              <a:t>warnings</a:t>
             </a:r>
             <a:endParaRPr lang="cs-CZ" b="1" dirty="0"/>
           </a:p>
@@ -5150,36 +6192,6 @@
             <a:extLst>
               <a:ext uri="{FF2B5EF4-FFF2-40B4-BE49-F238E27FC236}">
                 <a16:creationId xmlns:a16="http://schemas.microsoft.com/office/drawing/2014/main" id="{C04ECE6E-A7EF-ABE5-8ABB-80EE4F66A6FE}"/>
-              </a:ext>
-            </a:extLst>
-          </p:cNvPr>
-          <p:cNvPicPr>
-            <a:picLocks noChangeAspect="1"/>
-          </p:cNvPicPr>
-          <p:nvPr/>
-        </p:nvPicPr>
-        <p:blipFill>
-          <a:blip r:embed="rId2"/>
-          <a:stretch>
-            <a:fillRect/>
-          </a:stretch>
-        </p:blipFill>
-        <p:spPr>
-          <a:xfrm>
-            <a:off x="4493484" y="3851803"/>
-            <a:ext cx="4231416" cy="2417952"/>
-          </a:xfrm>
-          <a:prstGeom prst="rect">
-            <a:avLst/>
-          </a:prstGeom>
-        </p:spPr>
-      </p:pic>
-      <p:pic>
-        <p:nvPicPr>
-          <p:cNvPr id="8" name="Obrázek 7" descr="Obsah obrázku sníh, venku, mrazivé počasí, zima&#10;&#10;Obsah vygenerovaný umělou inteligencí může být nesprávný.">
-            <a:extLst>
-              <a:ext uri="{FF2B5EF4-FFF2-40B4-BE49-F238E27FC236}">
-                <a16:creationId xmlns:a16="http://schemas.microsoft.com/office/drawing/2014/main" id="{1FB42087-7493-B54B-B033-D16E50077B55}"/>
               </a:ext>
             </a:extLst>
           </p:cNvPr>
@@ -5196,7 +6208,37 @@
         </p:blipFill>
         <p:spPr>
           <a:xfrm>
-            <a:off x="7865787" y="249975"/>
+            <a:off x="5108456" y="3740472"/>
+            <a:ext cx="4231416" cy="2417952"/>
+          </a:xfrm>
+          <a:prstGeom prst="rect">
+            <a:avLst/>
+          </a:prstGeom>
+        </p:spPr>
+      </p:pic>
+      <p:pic>
+        <p:nvPicPr>
+          <p:cNvPr id="8" name="Obrázek 7" descr="Obsah obrázku sníh, venku, mrazivé počasí, zima&#10;&#10;Obsah vygenerovaný umělou inteligencí může být nesprávný.">
+            <a:extLst>
+              <a:ext uri="{FF2B5EF4-FFF2-40B4-BE49-F238E27FC236}">
+                <a16:creationId xmlns:a16="http://schemas.microsoft.com/office/drawing/2014/main" id="{1FB42087-7493-B54B-B033-D16E50077B55}"/>
+              </a:ext>
+            </a:extLst>
+          </p:cNvPr>
+          <p:cNvPicPr>
+            <a:picLocks noChangeAspect="1"/>
+          </p:cNvPicPr>
+          <p:nvPr/>
+        </p:nvPicPr>
+        <p:blipFill>
+          <a:blip r:embed="rId4"/>
+          <a:stretch>
+            <a:fillRect/>
+          </a:stretch>
+        </p:blipFill>
+        <p:spPr>
+          <a:xfrm>
+            <a:off x="6525572" y="750403"/>
             <a:ext cx="4060018" cy="2320010"/>
           </a:xfrm>
           <a:prstGeom prst="rect">
@@ -5469,7 +6511,7 @@
           <a:p>
             <a:fld id="{579F6069-8263-4296-913A-BC2234E8D32B}" type="datetime1">
               <a:rPr lang="en-US" smtClean="0"/>
-              <a:t>4/1/2025</a:t>
+              <a:t>4/2/2025</a:t>
             </a:fld>
             <a:endParaRPr lang="en-US"/>
           </a:p>
@@ -5764,4 +6806,319 @@
     </a:ext>
   </a:extLst>
 </a:theme>
+</file>
+
+<file path=ppt/theme/theme2.xml><?xml version="1.0" encoding="utf-8"?>
+<a:theme xmlns:a="http://schemas.openxmlformats.org/drawingml/2006/main" name="Motiv Office">
+  <a:themeElements>
+    <a:clrScheme name="Office">
+      <a:dk1>
+        <a:sysClr val="windowText" lastClr="000000"/>
+      </a:dk1>
+      <a:lt1>
+        <a:sysClr val="window" lastClr="FFFFFF"/>
+      </a:lt1>
+      <a:dk2>
+        <a:srgbClr val="0E2841"/>
+      </a:dk2>
+      <a:lt2>
+        <a:srgbClr val="E8E8E8"/>
+      </a:lt2>
+      <a:accent1>
+        <a:srgbClr val="156082"/>
+      </a:accent1>
+      <a:accent2>
+        <a:srgbClr val="E97132"/>
+      </a:accent2>
+      <a:accent3>
+        <a:srgbClr val="196B24"/>
+      </a:accent3>
+      <a:accent4>
+        <a:srgbClr val="0F9ED5"/>
+      </a:accent4>
+      <a:accent5>
+        <a:srgbClr val="A02B93"/>
+      </a:accent5>
+      <a:accent6>
+        <a:srgbClr val="4EA72E"/>
+      </a:accent6>
+      <a:hlink>
+        <a:srgbClr val="467886"/>
+      </a:hlink>
+      <a:folHlink>
+        <a:srgbClr val="96607D"/>
+      </a:folHlink>
+    </a:clrScheme>
+    <a:fontScheme name="Office">
+      <a:majorFont>
+        <a:latin typeface="Aptos Display" panose="02110004020202020204"/>
+        <a:ea typeface=""/>
+        <a:cs typeface=""/>
+        <a:font script="Jpan" typeface="游ゴシック Light"/>
+        <a:font script="Hang" typeface="맑은 고딕"/>
+        <a:font script="Hans" typeface="等线 Light"/>
+        <a:font script="Hant" typeface="新細明體"/>
+        <a:font script="Arab" typeface="Times New Roman"/>
+        <a:font script="Hebr" typeface="Times New Roman"/>
+        <a:font script="Thai" typeface="Angsana New"/>
+        <a:font script="Ethi" typeface="Nyala"/>
+        <a:font script="Beng" typeface="Vrinda"/>
+        <a:font script="Gujr" typeface="Shruti"/>
+        <a:font script="Khmr" typeface="MoolBoran"/>
+        <a:font script="Knda" typeface="Tunga"/>
+        <a:font script="Guru" typeface="Raavi"/>
+        <a:font script="Cans" typeface="Euphemia"/>
+        <a:font script="Cher" typeface="Plantagenet Cherokee"/>
+        <a:font script="Yiii" typeface="Microsoft Yi Baiti"/>
+        <a:font script="Tibt" typeface="Microsoft Himalaya"/>
+        <a:font script="Thaa" typeface="MV Boli"/>
+        <a:font script="Deva" typeface="Mangal"/>
+        <a:font script="Telu" typeface="Gautami"/>
+        <a:font script="Taml" typeface="Latha"/>
+        <a:font script="Syrc" typeface="Estrangelo Edessa"/>
+        <a:font script="Orya" typeface="Kalinga"/>
+        <a:font script="Mlym" typeface="Kartika"/>
+        <a:font script="Laoo" typeface="DokChampa"/>
+        <a:font script="Sinh" typeface="Iskoola Pota"/>
+        <a:font script="Mong" typeface="Mongolian Baiti"/>
+        <a:font script="Viet" typeface="Times New Roman"/>
+        <a:font script="Uigh" typeface="Microsoft Uighur"/>
+        <a:font script="Geor" typeface="Sylfaen"/>
+        <a:font script="Armn" typeface="Arial"/>
+        <a:font script="Bugi" typeface="Leelawadee UI"/>
+        <a:font script="Bopo" typeface="Microsoft JhengHei"/>
+        <a:font script="Java" typeface="Javanese Text"/>
+        <a:font script="Lisu" typeface="Segoe UI"/>
+        <a:font script="Mymr" typeface="Myanmar Text"/>
+        <a:font script="Nkoo" typeface="Ebrima"/>
+        <a:font script="Olck" typeface="Nirmala UI"/>
+        <a:font script="Osma" typeface="Ebrima"/>
+        <a:font script="Phag" typeface="Phagspa"/>
+        <a:font script="Syrn" typeface="Estrangelo Edessa"/>
+        <a:font script="Syrj" typeface="Estrangelo Edessa"/>
+        <a:font script="Syre" typeface="Estrangelo Edessa"/>
+        <a:font script="Sora" typeface="Nirmala UI"/>
+        <a:font script="Tale" typeface="Microsoft Tai Le"/>
+        <a:font script="Talu" typeface="Microsoft New Tai Lue"/>
+        <a:font script="Tfng" typeface="Ebrima"/>
+      </a:majorFont>
+      <a:minorFont>
+        <a:latin typeface="Aptos" panose="02110004020202020204"/>
+        <a:ea typeface=""/>
+        <a:cs typeface=""/>
+        <a:font script="Jpan" typeface="游ゴシック"/>
+        <a:font script="Hang" typeface="맑은 고딕"/>
+        <a:font script="Hans" typeface="等线"/>
+        <a:font script="Hant" typeface="新細明體"/>
+        <a:font script="Arab" typeface="Arial"/>
+        <a:font script="Hebr" typeface="Arial"/>
+        <a:font script="Thai" typeface="Cordia New"/>
+        <a:font script="Ethi" typeface="Nyala"/>
+        <a:font script="Beng" typeface="Vrinda"/>
+        <a:font script="Gujr" typeface="Shruti"/>
+        <a:font script="Khmr" typeface="DaunPenh"/>
+        <a:font script="Knda" typeface="Tunga"/>
+        <a:font script="Guru" typeface="Raavi"/>
+        <a:font script="Cans" typeface="Euphemia"/>
+        <a:font script="Cher" typeface="Plantagenet Cherokee"/>
+        <a:font script="Yiii" typeface="Microsoft Yi Baiti"/>
+        <a:font script="Tibt" typeface="Microsoft Himalaya"/>
+        <a:font script="Thaa" typeface="MV Boli"/>
+        <a:font script="Deva" typeface="Mangal"/>
+        <a:font script="Telu" typeface="Gautami"/>
+        <a:font script="Taml" typeface="Latha"/>
+        <a:font script="Syrc" typeface="Estrangelo Edessa"/>
+        <a:font script="Orya" typeface="Kalinga"/>
+        <a:font script="Mlym" typeface="Kartika"/>
+        <a:font script="Laoo" typeface="DokChampa"/>
+        <a:font script="Sinh" typeface="Iskoola Pota"/>
+        <a:font script="Mong" typeface="Mongolian Baiti"/>
+        <a:font script="Viet" typeface="Arial"/>
+        <a:font script="Uigh" typeface="Microsoft Uighur"/>
+        <a:font script="Geor" typeface="Sylfaen"/>
+        <a:font script="Armn" typeface="Arial"/>
+        <a:font script="Bugi" typeface="Leelawadee UI"/>
+        <a:font script="Bopo" typeface="Microsoft JhengHei"/>
+        <a:font script="Java" typeface="Javanese Text"/>
+        <a:font script="Lisu" typeface="Segoe UI"/>
+        <a:font script="Mymr" typeface="Myanmar Text"/>
+        <a:font script="Nkoo" typeface="Ebrima"/>
+        <a:font script="Olck" typeface="Nirmala UI"/>
+        <a:font script="Osma" typeface="Ebrima"/>
+        <a:font script="Phag" typeface="Phagspa"/>
+        <a:font script="Syrn" typeface="Estrangelo Edessa"/>
+        <a:font script="Syrj" typeface="Estrangelo Edessa"/>
+        <a:font script="Syre" typeface="Estrangelo Edessa"/>
+        <a:font script="Sora" typeface="Nirmala UI"/>
+        <a:font script="Tale" typeface="Microsoft Tai Le"/>
+        <a:font script="Talu" typeface="Microsoft New Tai Lue"/>
+        <a:font script="Tfng" typeface="Ebrima"/>
+      </a:minorFont>
+    </a:fontScheme>
+    <a:fmtScheme name="Office">
+      <a:fillStyleLst>
+        <a:solidFill>
+          <a:schemeClr val="phClr"/>
+        </a:solidFill>
+        <a:gradFill rotWithShape="1">
+          <a:gsLst>
+            <a:gs pos="0">
+              <a:schemeClr val="phClr">
+                <a:lumMod val="110000"/>
+                <a:satMod val="105000"/>
+                <a:tint val="67000"/>
+              </a:schemeClr>
+            </a:gs>
+            <a:gs pos="50000">
+              <a:schemeClr val="phClr">
+                <a:lumMod val="105000"/>
+                <a:satMod val="103000"/>
+                <a:tint val="73000"/>
+              </a:schemeClr>
+            </a:gs>
+            <a:gs pos="100000">
+              <a:schemeClr val="phClr">
+                <a:lumMod val="105000"/>
+                <a:satMod val="109000"/>
+                <a:tint val="81000"/>
+              </a:schemeClr>
+            </a:gs>
+          </a:gsLst>
+          <a:lin ang="5400000" scaled="0"/>
+        </a:gradFill>
+        <a:gradFill rotWithShape="1">
+          <a:gsLst>
+            <a:gs pos="0">
+              <a:schemeClr val="phClr">
+                <a:satMod val="103000"/>
+                <a:lumMod val="102000"/>
+                <a:tint val="94000"/>
+              </a:schemeClr>
+            </a:gs>
+            <a:gs pos="50000">
+              <a:schemeClr val="phClr">
+                <a:satMod val="110000"/>
+                <a:lumMod val="100000"/>
+                <a:shade val="100000"/>
+              </a:schemeClr>
+            </a:gs>
+            <a:gs pos="100000">
+              <a:schemeClr val="phClr">
+                <a:lumMod val="99000"/>
+                <a:satMod val="120000"/>
+                <a:shade val="78000"/>
+              </a:schemeClr>
+            </a:gs>
+          </a:gsLst>
+          <a:lin ang="5400000" scaled="0"/>
+        </a:gradFill>
+      </a:fillStyleLst>
+      <a:lnStyleLst>
+        <a:ln w="12700" cap="flat" cmpd="sng" algn="ctr">
+          <a:solidFill>
+            <a:schemeClr val="phClr"/>
+          </a:solidFill>
+          <a:prstDash val="solid"/>
+          <a:miter lim="800000"/>
+        </a:ln>
+        <a:ln w="19050" cap="flat" cmpd="sng" algn="ctr">
+          <a:solidFill>
+            <a:schemeClr val="phClr"/>
+          </a:solidFill>
+          <a:prstDash val="solid"/>
+          <a:miter lim="800000"/>
+        </a:ln>
+        <a:ln w="25400" cap="flat" cmpd="sng" algn="ctr">
+          <a:solidFill>
+            <a:schemeClr val="phClr"/>
+          </a:solidFill>
+          <a:prstDash val="solid"/>
+          <a:miter lim="800000"/>
+        </a:ln>
+      </a:lnStyleLst>
+      <a:effectStyleLst>
+        <a:effectStyle>
+          <a:effectLst/>
+        </a:effectStyle>
+        <a:effectStyle>
+          <a:effectLst/>
+        </a:effectStyle>
+        <a:effectStyle>
+          <a:effectLst>
+            <a:outerShdw blurRad="57150" dist="19050" dir="5400000" algn="ctr" rotWithShape="0">
+              <a:srgbClr val="000000">
+                <a:alpha val="63000"/>
+              </a:srgbClr>
+            </a:outerShdw>
+          </a:effectLst>
+        </a:effectStyle>
+      </a:effectStyleLst>
+      <a:bgFillStyleLst>
+        <a:solidFill>
+          <a:schemeClr val="phClr"/>
+        </a:solidFill>
+        <a:solidFill>
+          <a:schemeClr val="phClr">
+            <a:tint val="95000"/>
+            <a:satMod val="170000"/>
+          </a:schemeClr>
+        </a:solidFill>
+        <a:gradFill rotWithShape="1">
+          <a:gsLst>
+            <a:gs pos="0">
+              <a:schemeClr val="phClr">
+                <a:tint val="93000"/>
+                <a:satMod val="150000"/>
+                <a:shade val="98000"/>
+                <a:lumMod val="102000"/>
+              </a:schemeClr>
+            </a:gs>
+            <a:gs pos="50000">
+              <a:schemeClr val="phClr">
+                <a:tint val="98000"/>
+                <a:satMod val="130000"/>
+                <a:shade val="90000"/>
+                <a:lumMod val="103000"/>
+              </a:schemeClr>
+            </a:gs>
+            <a:gs pos="100000">
+              <a:schemeClr val="phClr">
+                <a:shade val="63000"/>
+                <a:satMod val="120000"/>
+              </a:schemeClr>
+            </a:gs>
+          </a:gsLst>
+          <a:lin ang="5400000" scaled="0"/>
+        </a:gradFill>
+      </a:bgFillStyleLst>
+    </a:fmtScheme>
+  </a:themeElements>
+  <a:objectDefaults>
+    <a:lnDef>
+      <a:spPr/>
+      <a:bodyPr/>
+      <a:lstStyle/>
+      <a:style>
+        <a:lnRef idx="2">
+          <a:schemeClr val="accent1"/>
+        </a:lnRef>
+        <a:fillRef idx="0">
+          <a:schemeClr val="accent1"/>
+        </a:fillRef>
+        <a:effectRef idx="1">
+          <a:schemeClr val="accent1"/>
+        </a:effectRef>
+        <a:fontRef idx="minor">
+          <a:schemeClr val="tx1"/>
+        </a:fontRef>
+      </a:style>
+    </a:lnDef>
+  </a:objectDefaults>
+  <a:extraClrSchemeLst/>
+  <a:extLst>
+    <a:ext uri="{05A4C25C-085E-4340-85A3-A5531E510DB2}">
+      <thm15:themeFamily xmlns:thm15="http://schemas.microsoft.com/office/thememl/2012/main" name="Office Theme" id="{2E142A2C-CD16-42D6-873A-C26D2A0506FA}" vid="{1BDDFF52-6CD6-40A5-AB3C-68EB2F1E4D0A}"/>
+    </a:ext>
+  </a:extLst>
+</a:theme>
 </file>